--- a/content/teaching/gcs20f/DDG-Laplacian-Smoothing.pptx
+++ b/content/teaching/gcs20f/DDG-Laplacian-Smoothing.pptx
@@ -266,7 +266,7 @@
           <a:p>
             <a:fld id="{B1844171-D7BE-4342-A4EB-3470B7671808}" type="datetimeFigureOut">
               <a:rPr lang="ru-RU" smtClean="0"/>
-              <a:t>28.11.2019</a:t>
+              <a:t>28.11.2020</a:t>
             </a:fld>
             <a:endParaRPr lang="ru-RU"/>
           </a:p>
@@ -434,7 +434,7 @@
           <a:p>
             <a:fld id="{B1844171-D7BE-4342-A4EB-3470B7671808}" type="datetimeFigureOut">
               <a:rPr lang="ru-RU" smtClean="0"/>
-              <a:t>28.11.2019</a:t>
+              <a:t>28.11.2020</a:t>
             </a:fld>
             <a:endParaRPr lang="ru-RU"/>
           </a:p>
@@ -612,7 +612,7 @@
           <a:p>
             <a:fld id="{B1844171-D7BE-4342-A4EB-3470B7671808}" type="datetimeFigureOut">
               <a:rPr lang="ru-RU" smtClean="0"/>
-              <a:t>28.11.2019</a:t>
+              <a:t>28.11.2020</a:t>
             </a:fld>
             <a:endParaRPr lang="ru-RU"/>
           </a:p>
@@ -780,7 +780,7 @@
           <a:p>
             <a:fld id="{B1844171-D7BE-4342-A4EB-3470B7671808}" type="datetimeFigureOut">
               <a:rPr lang="ru-RU" smtClean="0"/>
-              <a:t>28.11.2019</a:t>
+              <a:t>28.11.2020</a:t>
             </a:fld>
             <a:endParaRPr lang="ru-RU"/>
           </a:p>
@@ -1025,7 +1025,7 @@
           <a:p>
             <a:fld id="{B1844171-D7BE-4342-A4EB-3470B7671808}" type="datetimeFigureOut">
               <a:rPr lang="ru-RU" smtClean="0"/>
-              <a:t>28.11.2019</a:t>
+              <a:t>28.11.2020</a:t>
             </a:fld>
             <a:endParaRPr lang="ru-RU"/>
           </a:p>
@@ -1254,7 +1254,7 @@
           <a:p>
             <a:fld id="{B1844171-D7BE-4342-A4EB-3470B7671808}" type="datetimeFigureOut">
               <a:rPr lang="ru-RU" smtClean="0"/>
-              <a:t>28.11.2019</a:t>
+              <a:t>28.11.2020</a:t>
             </a:fld>
             <a:endParaRPr lang="ru-RU"/>
           </a:p>
@@ -1618,7 +1618,7 @@
           <a:p>
             <a:fld id="{B1844171-D7BE-4342-A4EB-3470B7671808}" type="datetimeFigureOut">
               <a:rPr lang="ru-RU" smtClean="0"/>
-              <a:t>28.11.2019</a:t>
+              <a:t>28.11.2020</a:t>
             </a:fld>
             <a:endParaRPr lang="ru-RU"/>
           </a:p>
@@ -1735,7 +1735,7 @@
           <a:p>
             <a:fld id="{B1844171-D7BE-4342-A4EB-3470B7671808}" type="datetimeFigureOut">
               <a:rPr lang="ru-RU" smtClean="0"/>
-              <a:t>28.11.2019</a:t>
+              <a:t>28.11.2020</a:t>
             </a:fld>
             <a:endParaRPr lang="ru-RU"/>
           </a:p>
@@ -1830,7 +1830,7 @@
           <a:p>
             <a:fld id="{B1844171-D7BE-4342-A4EB-3470B7671808}" type="datetimeFigureOut">
               <a:rPr lang="ru-RU" smtClean="0"/>
-              <a:t>28.11.2019</a:t>
+              <a:t>28.11.2020</a:t>
             </a:fld>
             <a:endParaRPr lang="ru-RU"/>
           </a:p>
@@ -2105,7 +2105,7 @@
           <a:p>
             <a:fld id="{B1844171-D7BE-4342-A4EB-3470B7671808}" type="datetimeFigureOut">
               <a:rPr lang="ru-RU" smtClean="0"/>
-              <a:t>28.11.2019</a:t>
+              <a:t>28.11.2020</a:t>
             </a:fld>
             <a:endParaRPr lang="ru-RU"/>
           </a:p>
@@ -2357,7 +2357,7 @@
           <a:p>
             <a:fld id="{B1844171-D7BE-4342-A4EB-3470B7671808}" type="datetimeFigureOut">
               <a:rPr lang="ru-RU" smtClean="0"/>
-              <a:t>28.11.2019</a:t>
+              <a:t>28.11.2020</a:t>
             </a:fld>
             <a:endParaRPr lang="ru-RU"/>
           </a:p>
@@ -2568,7 +2568,7 @@
           <a:p>
             <a:fld id="{B1844171-D7BE-4342-A4EB-3470B7671808}" type="datetimeFigureOut">
               <a:rPr lang="ru-RU" smtClean="0"/>
-              <a:t>28.11.2019</a:t>
+              <a:t>28.11.2020</a:t>
             </a:fld>
             <a:endParaRPr lang="ru-RU"/>
           </a:p>
@@ -2996,14 +2996,11 @@
           <a:lstStyle/>
           <a:p>
             <a:r>
-              <a:rPr lang="ru-RU" sz="4800" dirty="0" smtClean="0">
+              <a:rPr lang="ru-RU" sz="4800" dirty="0">
                 <a:latin typeface="Sitka Small" panose="02000505000000020004" pitchFamily="2" charset="0"/>
               </a:rPr>
               <a:t>Геометрия в компьютерных приложениях</a:t>
             </a:r>
-            <a:endParaRPr lang="ru-RU" sz="4800" dirty="0">
-              <a:latin typeface="Sitka Small" panose="02000505000000020004" pitchFamily="2" charset="0"/>
-            </a:endParaRPr>
           </a:p>
         </p:txBody>
       </p:sp>
@@ -3032,7 +3029,7 @@
               <a:lstStyle/>
               <a:p>
                 <a:r>
-                  <a:rPr lang="ru-RU" sz="4000" dirty="0" smtClean="0">
+                  <a:rPr lang="ru-RU" sz="4000" dirty="0">
                     <a:ln w="0"/>
                     <a:latin typeface="Cambria Math" panose="02040503050406030204" pitchFamily="18" charset="0"/>
                     <a:ea typeface="Cambria Math" panose="02040503050406030204" pitchFamily="18" charset="0"/>
@@ -3040,7 +3037,7 @@
                   <a:t>Лекция</a:t>
                 </a:r>
                 <a:r>
-                  <a:rPr lang="en-US" sz="4000" b="0" cap="none" spc="0" dirty="0" smtClean="0">
+                  <a:rPr lang="en-US" sz="4000" b="0" cap="none" spc="0" dirty="0">
                     <a:ln w="0"/>
                     <a:solidFill>
                       <a:schemeClr val="tx1"/>
@@ -3066,7 +3063,7 @@
                   </m:oMath>
                 </a14:m>
                 <a:r>
-                  <a:rPr lang="en-US" sz="4000" b="0" cap="none" spc="0" dirty="0" smtClean="0">
+                  <a:rPr lang="en-US" sz="4000" b="0" cap="none" spc="0" dirty="0">
                     <a:ln w="0"/>
                     <a:solidFill>
                       <a:schemeClr val="tx1"/>
@@ -3077,7 +3074,7 @@
                   <a:t>: </a:t>
                 </a:r>
                 <a:r>
-                  <a:rPr lang="en-US" sz="4000" b="0" cap="none" spc="0" dirty="0" err="1" smtClean="0">
+                  <a:rPr lang="en-US" sz="4000" b="0" cap="none" spc="0" dirty="0" err="1">
                     <a:ln w="0"/>
                     <a:solidFill>
                       <a:schemeClr val="tx1"/>
@@ -3088,7 +3085,7 @@
                   <a:t>Laplacian</a:t>
                 </a:r>
                 <a:r>
-                  <a:rPr lang="en-US" sz="4000" b="0" cap="none" spc="0" dirty="0" smtClean="0">
+                  <a:rPr lang="en-US" sz="4000" b="0" cap="none" spc="0" dirty="0">
                     <a:ln w="0"/>
                     <a:solidFill>
                       <a:schemeClr val="tx1"/>
@@ -3099,7 +3096,7 @@
                   <a:t> Smoothing</a:t>
                 </a:r>
                 <a:r>
-                  <a:rPr lang="ru-RU" sz="4000" b="0" cap="none" spc="0" dirty="0" smtClean="0">
+                  <a:rPr lang="ru-RU" sz="4000" b="0" cap="none" spc="0" dirty="0">
                     <a:ln w="0"/>
                     <a:solidFill>
                       <a:schemeClr val="tx1"/>
@@ -3109,14 +3106,6 @@
                   </a:rPr>
                   <a:t> / Лапласиан</a:t>
                 </a:r>
-                <a:endParaRPr lang="ru-RU" sz="4000" b="0" cap="none" spc="0" dirty="0">
-                  <a:ln w="0"/>
-                  <a:solidFill>
-                    <a:schemeClr val="tx1"/>
-                  </a:solidFill>
-                  <a:latin typeface="Cambria Math" panose="02040503050406030204" pitchFamily="18" charset="0"/>
-                  <a:ea typeface="Cambria Math" panose="02040503050406030204" pitchFamily="18" charset="0"/>
-                </a:endParaRPr>
               </a:p>
             </p:txBody>
           </p:sp>
@@ -3204,7 +3193,7 @@
         <p:spPr>
           <a:xfrm>
             <a:off x="1055688" y="3899626"/>
-            <a:ext cx="8022299" cy="2246769"/>
+            <a:ext cx="8022299" cy="1631216"/>
           </a:xfrm>
           <a:prstGeom prst="rect">
             <a:avLst/>
@@ -3218,7 +3207,7 @@
           <a:lstStyle/>
           <a:p>
             <a:r>
-              <a:rPr lang="ru-RU" sz="4000" cap="none" spc="0" dirty="0" smtClean="0">
+              <a:rPr lang="ru-RU" sz="4000" cap="none" spc="0" dirty="0">
                 <a:ln w="0"/>
                 <a:solidFill>
                   <a:schemeClr val="tx1"/>
@@ -3239,12 +3228,12 @@
           </a:p>
           <a:p>
             <a:r>
-              <a:rPr lang="ru-RU" b="1" dirty="0" smtClean="0">
+              <a:rPr lang="ru-RU" b="1" dirty="0">
                 <a:ln w="0"/>
                 <a:latin typeface="Cambria Math" panose="02040503050406030204" pitchFamily="18" charset="0"/>
                 <a:ea typeface="Cambria Math" panose="02040503050406030204" pitchFamily="18" charset="0"/>
               </a:rPr>
-              <a:t>28 ноября 2019 года</a:t>
+              <a:t>28 ноября 2020 года</a:t>
             </a:r>
           </a:p>
           <a:p>
@@ -3263,51 +3252,20 @@
           </a:p>
           <a:p>
             <a:r>
-              <a:rPr lang="ru-RU" sz="2400" cap="none" spc="0" dirty="0" smtClean="0">
-                <a:ln w="0"/>
-                <a:solidFill>
-                  <a:schemeClr val="tx1"/>
-                </a:solidFill>
-                <a:latin typeface="Cambria Math" panose="02040503050406030204" pitchFamily="18" charset="0"/>
-                <a:ea typeface="Cambria Math" panose="02040503050406030204" pitchFamily="18" charset="0"/>
-              </a:rPr>
-              <a:t>Московский физико-технический институт</a:t>
-            </a:r>
-            <a:endParaRPr lang="en-US" sz="2400" cap="none" spc="0" dirty="0">
-              <a:ln w="0"/>
-              <a:solidFill>
-                <a:schemeClr val="tx1"/>
-              </a:solidFill>
-              <a:latin typeface="Cambria Math" panose="02040503050406030204" pitchFamily="18" charset="0"/>
-              <a:ea typeface="Cambria Math" panose="02040503050406030204" pitchFamily="18" charset="0"/>
-            </a:endParaRPr>
-          </a:p>
-          <a:p>
-            <a:r>
-              <a:rPr lang="ru-RU" sz="2000" dirty="0" smtClean="0">
+              <a:rPr lang="en-US" sz="2400" dirty="0" err="1">
                 <a:ln w="0"/>
                 <a:latin typeface="Cambria Math" panose="02040503050406030204" pitchFamily="18" charset="0"/>
                 <a:ea typeface="Cambria Math" panose="02040503050406030204" pitchFamily="18" charset="0"/>
               </a:rPr>
-              <a:t>Кафедра дискретной математики</a:t>
+              <a:t>Skoltech</a:t>
             </a:r>
-            <a:endParaRPr lang="en-US" sz="2000" dirty="0">
-              <a:ln w="0"/>
-              <a:latin typeface="Cambria Math" panose="02040503050406030204" pitchFamily="18" charset="0"/>
-              <a:ea typeface="Cambria Math" panose="02040503050406030204" pitchFamily="18" charset="0"/>
-            </a:endParaRPr>
-          </a:p>
-          <a:p>
             <a:r>
-              <a:rPr lang="ru-RU" sz="2000" cap="none" spc="0" dirty="0" smtClean="0">
+              <a:rPr lang="en-US" sz="2400" dirty="0">
                 <a:ln w="0"/>
-                <a:solidFill>
-                  <a:schemeClr val="tx1"/>
-                </a:solidFill>
                 <a:latin typeface="Cambria Math" panose="02040503050406030204" pitchFamily="18" charset="0"/>
                 <a:ea typeface="Cambria Math" panose="02040503050406030204" pitchFamily="18" charset="0"/>
               </a:rPr>
-              <a:t>Лаборатория продвинутой комбинаторики и сетевых приложений</a:t>
+              <a:t> &amp; MIPT</a:t>
             </a:r>
             <a:endParaRPr lang="ru-RU" sz="2000" cap="none" spc="0" dirty="0">
               <a:ln w="0"/>
@@ -3330,13 +3288,6 @@
   <p:clrMapOvr>
     <a:masterClrMapping/>
   </p:clrMapOvr>
-  <p:timing>
-    <p:tnLst>
-      <p:par>
-        <p:cTn id="1" dur="indefinite" restart="never" nodeType="tmRoot"/>
-      </p:par>
-    </p:tnLst>
-  </p:timing>
 </p:sld>
 </file>
 
@@ -3367,13 +3318,6 @@
   <p:clrMapOvr>
     <a:masterClrMapping/>
   </p:clrMapOvr>
-  <p:timing>
-    <p:tnLst>
-      <p:par>
-        <p:cTn id="1" dur="indefinite" restart="never" nodeType="tmRoot"/>
-      </p:par>
-    </p:tnLst>
-  </p:timing>
 </p:sld>
 </file>
 
@@ -3418,7 +3362,7 @@
           <a:p>
             <a:pPr algn="ctr"/>
             <a:r>
-              <a:rPr lang="ru-RU" sz="4000" dirty="0" smtClean="0">
+              <a:rPr lang="ru-RU" sz="4000" dirty="0">
                 <a:solidFill>
                   <a:srgbClr val="C00000"/>
                 </a:solidFill>
@@ -3448,7 +3392,7 @@
             <p:spPr>
               <a:xfrm>
                 <a:off x="515938" y="911678"/>
-                <a:ext cx="11160125" cy="2466701"/>
+                <a:ext cx="11160125" cy="3013902"/>
               </a:xfrm>
               <a:prstGeom prst="rect">
                 <a:avLst/>
@@ -3467,7 +3411,7 @@
                   </a:lnSpc>
                 </a:pPr>
                 <a:r>
-                  <a:rPr lang="ru-RU" sz="3200" dirty="0" smtClean="0">
+                  <a:rPr lang="ru-RU" sz="3200" dirty="0">
                     <a:latin typeface="Cambria Math" panose="02040503050406030204" pitchFamily="18" charset="0"/>
                     <a:ea typeface="Cambria Math" panose="02040503050406030204" pitchFamily="18" charset="0"/>
                   </a:rPr>
@@ -3485,21 +3429,21 @@
                   </m:oMath>
                 </a14:m>
                 <a:r>
-                  <a:rPr lang="en-US" sz="3200" dirty="0" smtClean="0">
+                  <a:rPr lang="en-US" sz="3200" dirty="0">
                     <a:latin typeface="Cambria Math" panose="02040503050406030204" pitchFamily="18" charset="0"/>
                     <a:ea typeface="Cambria Math" panose="02040503050406030204" pitchFamily="18" charset="0"/>
                   </a:rPr>
                   <a:t> – </a:t>
                 </a:r>
                 <a:r>
-                  <a:rPr lang="ru-RU" sz="3200" dirty="0" smtClean="0">
+                  <a:rPr lang="ru-RU" sz="3200" dirty="0">
                     <a:latin typeface="Cambria Math" panose="02040503050406030204" pitchFamily="18" charset="0"/>
                     <a:ea typeface="Cambria Math" panose="02040503050406030204" pitchFamily="18" charset="0"/>
                   </a:rPr>
                   <a:t>гладкое многообразие. Напоминаем, что </a:t>
                 </a:r>
                 <a:r>
-                  <a:rPr lang="ru-RU" sz="3200" dirty="0" smtClean="0">
+                  <a:rPr lang="ru-RU" sz="3200" dirty="0">
                     <a:solidFill>
                       <a:srgbClr val="FF0000"/>
                     </a:solidFill>
@@ -3509,7 +3453,7 @@
                   <a:t>оператор Лапласа </a:t>
                 </a:r>
                 <a:r>
-                  <a:rPr lang="ru-RU" sz="3200" dirty="0" smtClean="0">
+                  <a:rPr lang="ru-RU" sz="3200" dirty="0">
                     <a:latin typeface="Cambria Math" panose="02040503050406030204" pitchFamily="18" charset="0"/>
                     <a:ea typeface="Cambria Math" panose="02040503050406030204" pitchFamily="18" charset="0"/>
                   </a:rPr>
@@ -3590,7 +3534,7 @@
                   </m:oMath>
                 </a14:m>
                 <a:r>
-                  <a:rPr lang="en-US" sz="3200" dirty="0" smtClean="0">
+                  <a:rPr lang="en-US" sz="3200" dirty="0">
                     <a:solidFill>
                       <a:srgbClr val="0070C0"/>
                     </a:solidFill>
@@ -3600,7 +3544,7 @@
                   <a:t> </a:t>
                 </a:r>
                 <a:r>
-                  <a:rPr lang="ru-RU" sz="3200" dirty="0" smtClean="0">
+                  <a:rPr lang="ru-RU" sz="3200" dirty="0">
                     <a:latin typeface="Cambria Math" panose="02040503050406030204" pitchFamily="18" charset="0"/>
                     <a:ea typeface="Cambria Math" panose="02040503050406030204" pitchFamily="18" charset="0"/>
                   </a:rPr>
@@ -3629,7 +3573,7 @@
                         <a:latin typeface="Cambria Math" panose="02040503050406030204" pitchFamily="18" charset="0"/>
                         <a:ea typeface="Cambria Math" panose="02040503050406030204" pitchFamily="18" charset="0"/>
                       </a:rPr>
-                      <m:t> ≔</m:t>
+                      <m:t>≔</m:t>
                     </m:r>
                     <m:r>
                       <m:rPr>
@@ -3704,14 +3648,14 @@
                   </m:oMath>
                 </a14:m>
                 <a:r>
-                  <a:rPr lang="en-US" sz="3200" dirty="0" smtClean="0">
+                  <a:rPr lang="en-US" sz="3200" dirty="0">
                     <a:latin typeface="Cambria Math" panose="02040503050406030204" pitchFamily="18" charset="0"/>
                     <a:ea typeface="Cambria Math" panose="02040503050406030204" pitchFamily="18" charset="0"/>
                   </a:rPr>
                   <a:t> </a:t>
                 </a:r>
                 <a:r>
-                  <a:rPr lang="ru-RU" sz="3200" dirty="0" smtClean="0">
+                  <a:rPr lang="ru-RU" sz="3200" dirty="0">
                     <a:latin typeface="Cambria Math" panose="02040503050406030204" pitchFamily="18" charset="0"/>
                     <a:ea typeface="Cambria Math" panose="02040503050406030204" pitchFamily="18" charset="0"/>
                   </a:rPr>
@@ -3737,7 +3681,79 @@
                         <a:latin typeface="Cambria Math" panose="02040503050406030204" pitchFamily="18" charset="0"/>
                         <a:ea typeface="Cambria Math" panose="02040503050406030204" pitchFamily="18" charset="0"/>
                       </a:rPr>
-                      <m:t>≔ ⋆</m:t>
+                      <m:t>≔</m:t>
+                    </m:r>
+                    <m:sSup>
+                      <m:sSupPr>
+                        <m:ctrlPr>
+                          <a:rPr lang="en-US" sz="3200" b="0" i="1" smtClean="0">
+                            <a:solidFill>
+                              <a:srgbClr val="0070C0"/>
+                            </a:solidFill>
+                            <a:latin typeface="Cambria Math" panose="02040503050406030204" pitchFamily="18" charset="0"/>
+                            <a:ea typeface="Cambria Math" panose="02040503050406030204" pitchFamily="18" charset="0"/>
+                          </a:rPr>
+                        </m:ctrlPr>
+                      </m:sSupPr>
+                      <m:e>
+                        <m:d>
+                          <m:dPr>
+                            <m:ctrlPr>
+                              <a:rPr lang="en-US" sz="3200" b="0" i="1" smtClean="0">
+                                <a:solidFill>
+                                  <a:srgbClr val="0070C0"/>
+                                </a:solidFill>
+                                <a:latin typeface="Cambria Math" panose="02040503050406030204" pitchFamily="18" charset="0"/>
+                                <a:ea typeface="Cambria Math" panose="02040503050406030204" pitchFamily="18" charset="0"/>
+                              </a:rPr>
+                            </m:ctrlPr>
+                          </m:dPr>
+                          <m:e>
+                            <m:r>
+                              <a:rPr lang="en-US" sz="3200" b="0" i="1" smtClean="0">
+                                <a:solidFill>
+                                  <a:srgbClr val="0070C0"/>
+                                </a:solidFill>
+                                <a:latin typeface="Cambria Math" panose="02040503050406030204" pitchFamily="18" charset="0"/>
+                                <a:ea typeface="Cambria Math" panose="02040503050406030204" pitchFamily="18" charset="0"/>
+                              </a:rPr>
+                              <m:t>−1</m:t>
+                            </m:r>
+                          </m:e>
+                        </m:d>
+                      </m:e>
+                      <m:sup>
+                        <m:r>
+                          <a:rPr lang="en-US" sz="3200" b="0" i="1" smtClean="0">
+                            <a:solidFill>
+                              <a:srgbClr val="0070C0"/>
+                            </a:solidFill>
+                            <a:latin typeface="Cambria Math" panose="02040503050406030204" pitchFamily="18" charset="0"/>
+                            <a:ea typeface="Cambria Math" panose="02040503050406030204" pitchFamily="18" charset="0"/>
+                          </a:rPr>
+                          <m:t>𝑛𝑘</m:t>
+                        </m:r>
+                        <m:r>
+                          <a:rPr lang="en-US" sz="3200" b="0" i="1" smtClean="0">
+                            <a:solidFill>
+                              <a:srgbClr val="0070C0"/>
+                            </a:solidFill>
+                            <a:latin typeface="Cambria Math" panose="02040503050406030204" pitchFamily="18" charset="0"/>
+                            <a:ea typeface="Cambria Math" panose="02040503050406030204" pitchFamily="18" charset="0"/>
+                          </a:rPr>
+                          <m:t>+1</m:t>
+                        </m:r>
+                      </m:sup>
+                    </m:sSup>
+                    <m:r>
+                      <a:rPr lang="en-US" sz="3200" b="0" i="1" smtClean="0">
+                        <a:solidFill>
+                          <a:srgbClr val="0070C0"/>
+                        </a:solidFill>
+                        <a:latin typeface="Cambria Math" panose="02040503050406030204" pitchFamily="18" charset="0"/>
+                        <a:ea typeface="Cambria Math" panose="02040503050406030204" pitchFamily="18" charset="0"/>
+                      </a:rPr>
+                      <m:t>⋆</m:t>
                     </m:r>
                     <m:r>
                       <a:rPr lang="en-US" sz="3200" b="0" i="1" smtClean="0">
@@ -3762,7 +3778,7 @@
                   </m:oMath>
                 </a14:m>
                 <a:r>
-                  <a:rPr lang="en-US" sz="3200" dirty="0" smtClean="0">
+                  <a:rPr lang="en-US" sz="3200" dirty="0">
                     <a:solidFill>
                       <a:srgbClr val="0070C0"/>
                     </a:solidFill>
@@ -3779,14 +3795,14 @@
                   <a:t>–</a:t>
                 </a:r>
                 <a:r>
-                  <a:rPr lang="ru-RU" sz="3200" dirty="0" smtClean="0">
+                  <a:rPr lang="ru-RU" sz="3200" dirty="0">
                     <a:latin typeface="Cambria Math" panose="02040503050406030204" pitchFamily="18" charset="0"/>
                     <a:ea typeface="Cambria Math" panose="02040503050406030204" pitchFamily="18" charset="0"/>
                   </a:rPr>
                   <a:t> </a:t>
                 </a:r>
                 <a:r>
-                  <a:rPr lang="ru-RU" sz="3200" dirty="0" err="1" smtClean="0">
+                  <a:rPr lang="ru-RU" sz="3200" dirty="0" err="1">
                     <a:solidFill>
                       <a:srgbClr val="FF0000"/>
                     </a:solidFill>
@@ -3796,7 +3812,7 @@
                   <a:t>кодифференциал</a:t>
                 </a:r>
                 <a:r>
-                  <a:rPr lang="ru-RU" sz="3200" dirty="0" smtClean="0">
+                  <a:rPr lang="ru-RU" sz="3200" dirty="0">
                     <a:latin typeface="Cambria Math" panose="02040503050406030204" pitchFamily="18" charset="0"/>
                     <a:ea typeface="Cambria Math" panose="02040503050406030204" pitchFamily="18" charset="0"/>
                   </a:rPr>
@@ -4056,54 +4072,30 @@
                   </m:oMath>
                 </a14:m>
                 <a:r>
-                  <a:rPr lang="en-US" sz="3200" dirty="0" smtClean="0">
-                    <a:latin typeface="Cambria Math" panose="02040503050406030204" pitchFamily="18" charset="0"/>
-                    <a:ea typeface="Cambria Math" panose="02040503050406030204" pitchFamily="18" charset="0"/>
-                  </a:rPr>
-                  <a:t> </a:t>
-                </a:r>
-                <a:r>
                   <a:rPr lang="en-US" sz="3200" dirty="0">
                     <a:latin typeface="Cambria Math" panose="02040503050406030204" pitchFamily="18" charset="0"/>
                     <a:ea typeface="Cambria Math" panose="02040503050406030204" pitchFamily="18" charset="0"/>
                   </a:rPr>
-                  <a:t>–</a:t>
+                  <a:t> – </a:t>
                 </a:r>
                 <a:r>
-                  <a:rPr lang="en-US" sz="3200" dirty="0" smtClean="0">
-                    <a:latin typeface="Cambria Math" panose="02040503050406030204" pitchFamily="18" charset="0"/>
-                    <a:ea typeface="Cambria Math" panose="02040503050406030204" pitchFamily="18" charset="0"/>
-                  </a:rPr>
-                  <a:t> </a:t>
-                </a:r>
-                <a:r>
-                  <a:rPr lang="ru-RU" sz="3200" dirty="0" smtClean="0">
+                  <a:rPr lang="ru-RU" sz="3200" dirty="0">
                     <a:solidFill>
                       <a:srgbClr val="FF0000"/>
                     </a:solidFill>
                     <a:latin typeface="Cambria Math" panose="02040503050406030204" pitchFamily="18" charset="0"/>
                     <a:ea typeface="Cambria Math" panose="02040503050406030204" pitchFamily="18" charset="0"/>
                   </a:rPr>
-                  <a:t>звезда </a:t>
+                  <a:t>звезда Ходжа</a:t>
                 </a:r>
                 <a:r>
-                  <a:rPr lang="ru-RU" sz="3200" dirty="0" smtClean="0">
-                    <a:solidFill>
-                      <a:srgbClr val="FF0000"/>
-                    </a:solidFill>
-                    <a:latin typeface="Cambria Math" panose="02040503050406030204" pitchFamily="18" charset="0"/>
-                    <a:ea typeface="Cambria Math" panose="02040503050406030204" pitchFamily="18" charset="0"/>
-                  </a:rPr>
-                  <a:t>Ходжа</a:t>
-                </a:r>
-                <a:r>
-                  <a:rPr lang="ru-RU" sz="3200" dirty="0" smtClean="0">
+                  <a:rPr lang="ru-RU" sz="3200" dirty="0">
                     <a:latin typeface="Cambria Math" panose="02040503050406030204" pitchFamily="18" charset="0"/>
                     <a:ea typeface="Cambria Math" panose="02040503050406030204" pitchFamily="18" charset="0"/>
                   </a:rPr>
                   <a:t>. </a:t>
                 </a:r>
-                <a:endParaRPr lang="en-US" sz="3200" dirty="0" smtClean="0">
+                <a:endParaRPr lang="en-US" sz="3200" dirty="0">
                   <a:latin typeface="Cambria Math" panose="02040503050406030204" pitchFamily="18" charset="0"/>
                   <a:ea typeface="Cambria Math" panose="02040503050406030204" pitchFamily="18" charset="0"/>
                 </a:endParaRPr>
@@ -4123,15 +4115,15 @@
             <p:spPr>
               <a:xfrm>
                 <a:off x="515938" y="911678"/>
-                <a:ext cx="11160125" cy="2466701"/>
+                <a:ext cx="11160125" cy="3013902"/>
               </a:xfrm>
               <a:prstGeom prst="rect">
                 <a:avLst/>
               </a:prstGeom>
-              <a:blipFill rotWithShape="0">
+              <a:blipFill>
                 <a:blip r:embed="rId2"/>
                 <a:stretch>
-                  <a:fillRect l="-1421" t="-1485" r="-1148" b="-5446"/>
+                  <a:fillRect l="-1421" t="-1215" b="-6073"/>
                 </a:stretch>
               </a:blipFill>
             </p:spPr>
@@ -4150,8 +4142,8 @@
           </p:sp>
         </mc:Fallback>
       </mc:AlternateContent>
-      <mc:AlternateContent xmlns:mc="http://schemas.openxmlformats.org/markup-compatibility/2006" xmlns:a14="http://schemas.microsoft.com/office/drawing/2010/main">
-        <mc:Choice Requires="a14">
+      <mc:AlternateContent xmlns:mc="http://schemas.openxmlformats.org/markup-compatibility/2006">
+        <mc:Choice xmlns:a14="http://schemas.microsoft.com/office/drawing/2010/main" Requires="a14">
           <p:sp>
             <p:nvSpPr>
               <p:cNvPr id="15" name="Прямоугольник 14"/>
@@ -4180,11 +4172,11 @@
                   </a:lnSpc>
                 </a:pPr>
                 <a:r>
-                  <a:rPr lang="ru-RU" sz="3200" dirty="0" smtClean="0">
+                  <a:rPr lang="ru-RU" sz="3200" dirty="0">
                     <a:latin typeface="Cambria Math" panose="02040503050406030204" pitchFamily="18" charset="0"/>
                     <a:ea typeface="Cambria Math" panose="02040503050406030204" pitchFamily="18" charset="0"/>
                   </a:rPr>
-                  <a:t>Покажите, что при </a:t>
+                  <a:t>Проверьте, что при </a:t>
                 </a:r>
                 <a14:m>
                   <m:oMath xmlns:m="http://schemas.openxmlformats.org/officeDocument/2006/math">
@@ -4205,14 +4197,14 @@
                   </m:oMath>
                 </a14:m>
                 <a:r>
-                  <a:rPr lang="en-US" sz="3200" dirty="0" smtClean="0">
+                  <a:rPr lang="en-US" sz="3200" dirty="0">
                     <a:latin typeface="Cambria Math" panose="02040503050406030204" pitchFamily="18" charset="0"/>
                     <a:ea typeface="Cambria Math" panose="02040503050406030204" pitchFamily="18" charset="0"/>
                   </a:rPr>
                   <a:t> </a:t>
                 </a:r>
                 <a:r>
-                  <a:rPr lang="ru-RU" sz="3200" dirty="0" smtClean="0">
+                  <a:rPr lang="ru-RU" sz="3200" dirty="0">
                     <a:latin typeface="Cambria Math" panose="02040503050406030204" pitchFamily="18" charset="0"/>
                     <a:ea typeface="Cambria Math" panose="02040503050406030204" pitchFamily="18" charset="0"/>
                   </a:rPr>
@@ -4265,14 +4257,14 @@
                   </m:oMath>
                 </a14:m>
                 <a:r>
-                  <a:rPr lang="en-US" sz="3200" dirty="0" smtClean="0">
+                  <a:rPr lang="en-US" sz="3200" dirty="0">
                     <a:latin typeface="Cambria Math" panose="02040503050406030204" pitchFamily="18" charset="0"/>
                     <a:ea typeface="Cambria Math" panose="02040503050406030204" pitchFamily="18" charset="0"/>
                   </a:rPr>
                   <a:t> </a:t>
                 </a:r>
                 <a:r>
-                  <a:rPr lang="ru-RU" sz="3200" dirty="0" smtClean="0">
+                  <a:rPr lang="ru-RU" sz="3200" dirty="0">
                     <a:latin typeface="Cambria Math" panose="02040503050406030204" pitchFamily="18" charset="0"/>
                     <a:ea typeface="Cambria Math" panose="02040503050406030204" pitchFamily="18" charset="0"/>
                   </a:rPr>
@@ -4311,7 +4303,7 @@
                         <a:latin typeface="Cambria Math" panose="02040503050406030204" pitchFamily="18" charset="0"/>
                         <a:ea typeface="Cambria Math" panose="02040503050406030204" pitchFamily="18" charset="0"/>
                       </a:rPr>
-                      <m:t>=</m:t>
+                      <m:t>=−</m:t>
                     </m:r>
                     <m:nary>
                       <m:naryPr>
@@ -4489,13 +4481,13 @@
                   </m:oMath>
                 </a14:m>
                 <a:r>
-                  <a:rPr lang="ru-RU" sz="3200" dirty="0" smtClean="0">
+                  <a:rPr lang="ru-RU" sz="3200" dirty="0">
                     <a:latin typeface="Cambria Math" panose="02040503050406030204" pitchFamily="18" charset="0"/>
                     <a:ea typeface="Cambria Math" panose="02040503050406030204" pitchFamily="18" charset="0"/>
                   </a:rPr>
                   <a:t>. </a:t>
                 </a:r>
-                <a:endParaRPr lang="en-US" sz="3200" dirty="0" smtClean="0">
+                <a:endParaRPr lang="en-US" sz="3200" dirty="0">
                   <a:latin typeface="Cambria Math" panose="02040503050406030204" pitchFamily="18" charset="0"/>
                   <a:ea typeface="Cambria Math" panose="02040503050406030204" pitchFamily="18" charset="0"/>
                 </a:endParaRPr>
@@ -4503,7 +4495,7 @@
             </p:txBody>
           </p:sp>
         </mc:Choice>
-        <mc:Fallback xmlns="">
+        <mc:Fallback>
           <p:sp>
             <p:nvSpPr>
               <p:cNvPr id="15" name="Прямоугольник 14"/>
@@ -4520,10 +4512,382 @@
               <a:prstGeom prst="rect">
                 <a:avLst/>
               </a:prstGeom>
-              <a:blipFill rotWithShape="0">
+              <a:blipFill>
                 <a:blip r:embed="rId3"/>
                 <a:stretch>
                   <a:fillRect l="-1421" t="-2055"/>
+                </a:stretch>
+              </a:blipFill>
+            </p:spPr>
+            <p:txBody>
+              <a:bodyPr/>
+              <a:lstStyle/>
+              <a:p>
+                <a:r>
+                  <a:rPr lang="ru-RU">
+                    <a:noFill/>
+                  </a:rPr>
+                  <a:t> </a:t>
+                </a:r>
+              </a:p>
+            </p:txBody>
+          </p:sp>
+        </mc:Fallback>
+      </mc:AlternateContent>
+      <mc:AlternateContent xmlns:mc="http://schemas.openxmlformats.org/markup-compatibility/2006">
+        <mc:Choice xmlns:a14="http://schemas.microsoft.com/office/drawing/2010/main" Requires="a14">
+          <p:sp>
+            <p:nvSpPr>
+              <p:cNvPr id="8" name="TextBox 7">
+                <a:extLst>
+                  <a:ext uri="{FF2B5EF4-FFF2-40B4-BE49-F238E27FC236}">
+                    <a16:creationId xmlns:a16="http://schemas.microsoft.com/office/drawing/2014/main" id="{1CEC4251-E69F-47DE-B096-20A65ECE6570}"/>
+                  </a:ext>
+                </a:extLst>
+              </p:cNvPr>
+              <p:cNvSpPr txBox="1"/>
+              <p:nvPr/>
+            </p:nvSpPr>
+            <p:spPr>
+              <a:xfrm>
+                <a:off x="509454" y="5561822"/>
+                <a:ext cx="8537564" cy="1153264"/>
+              </a:xfrm>
+              <a:prstGeom prst="rect">
+                <a:avLst/>
+              </a:prstGeom>
+              <a:noFill/>
+            </p:spPr>
+            <p:txBody>
+              <a:bodyPr wrap="square">
+                <a:spAutoFit/>
+              </a:bodyPr>
+              <a:lstStyle/>
+              <a:p>
+                <a:r>
+                  <a:rPr lang="ru-RU" sz="3200" dirty="0">
+                    <a:latin typeface="Cambria Math" panose="02040503050406030204" pitchFamily="18" charset="0"/>
+                    <a:ea typeface="Cambria Math" panose="02040503050406030204" pitchFamily="18" charset="0"/>
+                  </a:rPr>
+                  <a:t>Скалярное произведение:  </a:t>
+                </a:r>
+                <a14:m>
+                  <m:oMath xmlns:m="http://schemas.openxmlformats.org/officeDocument/2006/math">
+                    <m:d>
+                      <m:dPr>
+                        <m:begChr m:val="⟨"/>
+                        <m:endChr m:val="⟩"/>
+                        <m:ctrlPr>
+                          <a:rPr lang="ru-RU" sz="3200" b="0" i="1" smtClean="0">
+                            <a:solidFill>
+                              <a:srgbClr val="0070C0"/>
+                            </a:solidFill>
+                            <a:latin typeface="Cambria Math" panose="02040503050406030204" pitchFamily="18" charset="0"/>
+                            <a:ea typeface="Cambria Math" panose="02040503050406030204" pitchFamily="18" charset="0"/>
+                          </a:rPr>
+                        </m:ctrlPr>
+                      </m:dPr>
+                      <m:e>
+                        <m:r>
+                          <a:rPr lang="en-US" sz="3200" b="0" i="1" smtClean="0">
+                            <a:solidFill>
+                              <a:srgbClr val="0070C0"/>
+                            </a:solidFill>
+                            <a:latin typeface="Cambria Math" panose="02040503050406030204" pitchFamily="18" charset="0"/>
+                            <a:ea typeface="Cambria Math" panose="02040503050406030204" pitchFamily="18" charset="0"/>
+                          </a:rPr>
+                          <m:t>𝛼</m:t>
+                        </m:r>
+                        <m:r>
+                          <a:rPr lang="en-US" sz="3200" b="0" i="1" smtClean="0">
+                            <a:solidFill>
+                              <a:srgbClr val="0070C0"/>
+                            </a:solidFill>
+                            <a:latin typeface="Cambria Math" panose="02040503050406030204" pitchFamily="18" charset="0"/>
+                            <a:ea typeface="Cambria Math" panose="02040503050406030204" pitchFamily="18" charset="0"/>
+                          </a:rPr>
+                          <m:t>,</m:t>
+                        </m:r>
+                        <m:r>
+                          <a:rPr lang="en-US" sz="3200" b="0" i="1" smtClean="0">
+                            <a:solidFill>
+                              <a:srgbClr val="0070C0"/>
+                            </a:solidFill>
+                            <a:latin typeface="Cambria Math" panose="02040503050406030204" pitchFamily="18" charset="0"/>
+                            <a:ea typeface="Cambria Math" panose="02040503050406030204" pitchFamily="18" charset="0"/>
+                          </a:rPr>
+                          <m:t>𝛽</m:t>
+                        </m:r>
+                      </m:e>
+                    </m:d>
+                    <m:r>
+                      <a:rPr lang="en-US" sz="3200" b="0" i="1" smtClean="0">
+                        <a:solidFill>
+                          <a:srgbClr val="0070C0"/>
+                        </a:solidFill>
+                        <a:latin typeface="Cambria Math" panose="02040503050406030204" pitchFamily="18" charset="0"/>
+                        <a:ea typeface="Cambria Math" panose="02040503050406030204" pitchFamily="18" charset="0"/>
+                      </a:rPr>
+                      <m:t>=</m:t>
+                    </m:r>
+                    <m:nary>
+                      <m:naryPr>
+                        <m:supHide m:val="on"/>
+                        <m:ctrlPr>
+                          <a:rPr lang="en-US" sz="3200" b="0" i="1" smtClean="0">
+                            <a:solidFill>
+                              <a:srgbClr val="0070C0"/>
+                            </a:solidFill>
+                            <a:latin typeface="Cambria Math" panose="02040503050406030204" pitchFamily="18" charset="0"/>
+                            <a:ea typeface="Cambria Math" panose="02040503050406030204" pitchFamily="18" charset="0"/>
+                          </a:rPr>
+                        </m:ctrlPr>
+                      </m:naryPr>
+                      <m:sub>
+                        <m:r>
+                          <a:rPr lang="en-US" sz="3200" b="0" i="1" smtClean="0">
+                            <a:solidFill>
+                              <a:srgbClr val="0070C0"/>
+                            </a:solidFill>
+                            <a:latin typeface="Cambria Math" panose="02040503050406030204" pitchFamily="18" charset="0"/>
+                            <a:ea typeface="Cambria Math" panose="02040503050406030204" pitchFamily="18" charset="0"/>
+                          </a:rPr>
+                          <m:t>𝑀</m:t>
+                        </m:r>
+                      </m:sub>
+                      <m:sup/>
+                      <m:e>
+                        <m:r>
+                          <a:rPr lang="en-US" sz="3200" b="0" i="1" smtClean="0">
+                            <a:solidFill>
+                              <a:srgbClr val="0070C0"/>
+                            </a:solidFill>
+                            <a:latin typeface="Cambria Math" panose="02040503050406030204" pitchFamily="18" charset="0"/>
+                            <a:ea typeface="Cambria Math" panose="02040503050406030204" pitchFamily="18" charset="0"/>
+                          </a:rPr>
+                          <m:t>𝛼</m:t>
+                        </m:r>
+                        <m:r>
+                          <a:rPr lang="en-US" sz="3200" b="0" i="1" smtClean="0">
+                            <a:solidFill>
+                              <a:srgbClr val="0070C0"/>
+                            </a:solidFill>
+                            <a:latin typeface="Cambria Math" panose="02040503050406030204" pitchFamily="18" charset="0"/>
+                            <a:ea typeface="Cambria Math" panose="02040503050406030204" pitchFamily="18" charset="0"/>
+                          </a:rPr>
+                          <m:t>∧</m:t>
+                        </m:r>
+                      </m:e>
+                    </m:nary>
+                    <m:r>
+                      <a:rPr lang="en-US" sz="3200" b="0" i="1" smtClean="0">
+                        <a:solidFill>
+                          <a:srgbClr val="0070C0"/>
+                        </a:solidFill>
+                        <a:latin typeface="Cambria Math" panose="02040503050406030204" pitchFamily="18" charset="0"/>
+                        <a:ea typeface="Cambria Math" panose="02040503050406030204" pitchFamily="18" charset="0"/>
+                      </a:rPr>
+                      <m:t>⋆</m:t>
+                    </m:r>
+                    <m:r>
+                      <a:rPr lang="en-US" sz="3200" b="0" i="1" smtClean="0">
+                        <a:solidFill>
+                          <a:srgbClr val="0070C0"/>
+                        </a:solidFill>
+                        <a:latin typeface="Cambria Math" panose="02040503050406030204" pitchFamily="18" charset="0"/>
+                        <a:ea typeface="Cambria Math" panose="02040503050406030204" pitchFamily="18" charset="0"/>
+                      </a:rPr>
+                      <m:t>𝛽</m:t>
+                    </m:r>
+                  </m:oMath>
+                </a14:m>
+                <a:r>
+                  <a:rPr lang="en-US" sz="3200" dirty="0">
+                    <a:solidFill>
+                      <a:srgbClr val="0070C0"/>
+                    </a:solidFill>
+                    <a:latin typeface="Cambria Math" panose="02040503050406030204" pitchFamily="18" charset="0"/>
+                    <a:ea typeface="Cambria Math" panose="02040503050406030204" pitchFamily="18" charset="0"/>
+                  </a:rPr>
+                  <a:t>. </a:t>
+                </a:r>
+                <a:r>
+                  <a:rPr lang="ru-RU" sz="3200" dirty="0">
+                    <a:latin typeface="Cambria Math" panose="02040503050406030204" pitchFamily="18" charset="0"/>
+                    <a:ea typeface="Cambria Math" panose="02040503050406030204" pitchFamily="18" charset="0"/>
+                  </a:rPr>
+                  <a:t>Можно проверить, что </a:t>
+                </a:r>
+                <a14:m>
+                  <m:oMath xmlns:m="http://schemas.openxmlformats.org/officeDocument/2006/math">
+                    <m:d>
+                      <m:dPr>
+                        <m:begChr m:val="⟨"/>
+                        <m:endChr m:val="⟩"/>
+                        <m:ctrlPr>
+                          <a:rPr lang="ru-RU" sz="3200" i="1">
+                            <a:solidFill>
+                              <a:srgbClr val="0070C0"/>
+                            </a:solidFill>
+                            <a:latin typeface="Cambria Math" panose="02040503050406030204" pitchFamily="18" charset="0"/>
+                            <a:ea typeface="Cambria Math" panose="02040503050406030204" pitchFamily="18" charset="0"/>
+                          </a:rPr>
+                        </m:ctrlPr>
+                      </m:dPr>
+                      <m:e>
+                        <m:r>
+                          <a:rPr lang="en-US" sz="3200" b="0" i="1" smtClean="0">
+                            <a:solidFill>
+                              <a:srgbClr val="0070C0"/>
+                            </a:solidFill>
+                            <a:latin typeface="Cambria Math" panose="02040503050406030204" pitchFamily="18" charset="0"/>
+                            <a:ea typeface="Cambria Math" panose="02040503050406030204" pitchFamily="18" charset="0"/>
+                          </a:rPr>
+                          <m:t>𝑑</m:t>
+                        </m:r>
+                        <m:r>
+                          <a:rPr lang="en-US" sz="3200" i="1">
+                            <a:solidFill>
+                              <a:srgbClr val="0070C0"/>
+                            </a:solidFill>
+                            <a:latin typeface="Cambria Math" panose="02040503050406030204" pitchFamily="18" charset="0"/>
+                            <a:ea typeface="Cambria Math" panose="02040503050406030204" pitchFamily="18" charset="0"/>
+                          </a:rPr>
+                          <m:t>𝛼</m:t>
+                        </m:r>
+                        <m:r>
+                          <a:rPr lang="en-US" sz="3200" i="1">
+                            <a:solidFill>
+                              <a:srgbClr val="0070C0"/>
+                            </a:solidFill>
+                            <a:latin typeface="Cambria Math" panose="02040503050406030204" pitchFamily="18" charset="0"/>
+                            <a:ea typeface="Cambria Math" panose="02040503050406030204" pitchFamily="18" charset="0"/>
+                          </a:rPr>
+                          <m:t>,</m:t>
+                        </m:r>
+                        <m:r>
+                          <a:rPr lang="en-US" sz="3200" i="1">
+                            <a:solidFill>
+                              <a:srgbClr val="0070C0"/>
+                            </a:solidFill>
+                            <a:latin typeface="Cambria Math" panose="02040503050406030204" pitchFamily="18" charset="0"/>
+                            <a:ea typeface="Cambria Math" panose="02040503050406030204" pitchFamily="18" charset="0"/>
+                          </a:rPr>
+                          <m:t>𝛽</m:t>
+                        </m:r>
+                      </m:e>
+                    </m:d>
+                    <m:r>
+                      <a:rPr lang="en-US" sz="3200" b="0" i="1" smtClean="0">
+                        <a:solidFill>
+                          <a:srgbClr val="0070C0"/>
+                        </a:solidFill>
+                        <a:latin typeface="Cambria Math" panose="02040503050406030204" pitchFamily="18" charset="0"/>
+                        <a:ea typeface="Cambria Math" panose="02040503050406030204" pitchFamily="18" charset="0"/>
+                      </a:rPr>
+                      <m:t>=</m:t>
+                    </m:r>
+                    <m:d>
+                      <m:dPr>
+                        <m:begChr m:val="⟨"/>
+                        <m:endChr m:val="⟩"/>
+                        <m:ctrlPr>
+                          <a:rPr lang="ru-RU" sz="3200" i="1">
+                            <a:solidFill>
+                              <a:srgbClr val="0070C0"/>
+                            </a:solidFill>
+                            <a:latin typeface="Cambria Math" panose="02040503050406030204" pitchFamily="18" charset="0"/>
+                            <a:ea typeface="Cambria Math" panose="02040503050406030204" pitchFamily="18" charset="0"/>
+                          </a:rPr>
+                        </m:ctrlPr>
+                      </m:dPr>
+                      <m:e>
+                        <m:r>
+                          <a:rPr lang="en-US" sz="3200" i="1">
+                            <a:solidFill>
+                              <a:srgbClr val="0070C0"/>
+                            </a:solidFill>
+                            <a:latin typeface="Cambria Math" panose="02040503050406030204" pitchFamily="18" charset="0"/>
+                            <a:ea typeface="Cambria Math" panose="02040503050406030204" pitchFamily="18" charset="0"/>
+                          </a:rPr>
+                          <m:t>𝛼</m:t>
+                        </m:r>
+                        <m:r>
+                          <a:rPr lang="en-US" sz="3200" i="1">
+                            <a:solidFill>
+                              <a:srgbClr val="0070C0"/>
+                            </a:solidFill>
+                            <a:latin typeface="Cambria Math" panose="02040503050406030204" pitchFamily="18" charset="0"/>
+                            <a:ea typeface="Cambria Math" panose="02040503050406030204" pitchFamily="18" charset="0"/>
+                          </a:rPr>
+                          <m:t>,</m:t>
+                        </m:r>
+                        <m:r>
+                          <a:rPr lang="en-US" sz="3200" b="0" i="1" smtClean="0">
+                            <a:solidFill>
+                              <a:srgbClr val="0070C0"/>
+                            </a:solidFill>
+                            <a:latin typeface="Cambria Math" panose="02040503050406030204" pitchFamily="18" charset="0"/>
+                            <a:ea typeface="Cambria Math" panose="02040503050406030204" pitchFamily="18" charset="0"/>
+                          </a:rPr>
+                          <m:t>𝛿</m:t>
+                        </m:r>
+                        <m:r>
+                          <a:rPr lang="en-US" sz="3200" i="1">
+                            <a:solidFill>
+                              <a:srgbClr val="0070C0"/>
+                            </a:solidFill>
+                            <a:latin typeface="Cambria Math" panose="02040503050406030204" pitchFamily="18" charset="0"/>
+                            <a:ea typeface="Cambria Math" panose="02040503050406030204" pitchFamily="18" charset="0"/>
+                          </a:rPr>
+                          <m:t>𝛽</m:t>
+                        </m:r>
+                      </m:e>
+                    </m:d>
+                    <m:r>
+                      <a:rPr lang="en-US" sz="3200" b="0" i="1" smtClean="0">
+                        <a:solidFill>
+                          <a:srgbClr val="0070C0"/>
+                        </a:solidFill>
+                        <a:latin typeface="Cambria Math" panose="02040503050406030204" pitchFamily="18" charset="0"/>
+                        <a:ea typeface="Cambria Math" panose="02040503050406030204" pitchFamily="18" charset="0"/>
+                      </a:rPr>
+                      <m:t>.</m:t>
+                    </m:r>
+                  </m:oMath>
+                </a14:m>
+                <a:endParaRPr lang="ru-RU" sz="3200" dirty="0"/>
+              </a:p>
+            </p:txBody>
+          </p:sp>
+        </mc:Choice>
+        <mc:Fallback>
+          <p:sp>
+            <p:nvSpPr>
+              <p:cNvPr id="8" name="TextBox 7">
+                <a:extLst>
+                  <a:ext uri="{FF2B5EF4-FFF2-40B4-BE49-F238E27FC236}">
+                    <a16:creationId xmlns:a16="http://schemas.microsoft.com/office/drawing/2014/main" id="{1CEC4251-E69F-47DE-B096-20A65ECE6570}"/>
+                  </a:ext>
+                </a:extLst>
+              </p:cNvPr>
+              <p:cNvSpPr txBox="1">
+                <a:spLocks noRot="1" noChangeAspect="1" noMove="1" noResize="1" noEditPoints="1" noAdjustHandles="1" noChangeArrowheads="1" noChangeShapeType="1" noTextEdit="1"/>
+              </p:cNvSpPr>
+              <p:nvPr/>
+            </p:nvSpPr>
+            <p:spPr>
+              <a:xfrm>
+                <a:off x="509454" y="5561822"/>
+                <a:ext cx="8537564" cy="1153264"/>
+              </a:xfrm>
+              <a:prstGeom prst="rect">
+                <a:avLst/>
+              </a:prstGeom>
+              <a:blipFill>
+                <a:blip r:embed="rId4"/>
+                <a:stretch>
+                  <a:fillRect l="-1857" t="-6842" r="-1714" b="-14737"/>
                 </a:stretch>
               </a:blipFill>
             </p:spPr>
@@ -4610,15 +4974,33 @@
                                   </p:childTnLst>
                                 </p:cTn>
                               </p:par>
+                            </p:childTnLst>
+                          </p:cTn>
+                        </p:par>
+                      </p:childTnLst>
+                    </p:cTn>
+                  </p:par>
+                  <p:par>
+                    <p:cTn id="8" fill="hold">
+                      <p:stCondLst>
+                        <p:cond delay="indefinite"/>
+                      </p:stCondLst>
+                      <p:childTnLst>
+                        <p:par>
+                          <p:cTn id="9" fill="hold">
+                            <p:stCondLst>
+                              <p:cond delay="0"/>
+                            </p:stCondLst>
+                            <p:childTnLst>
                               <p:par>
-                                <p:cTn id="8" presetID="10" presetClass="entr" presetSubtype="0" fill="hold" grpId="0" nodeType="withEffect">
+                                <p:cTn id="10" presetID="10" presetClass="entr" presetSubtype="0" fill="hold" grpId="0" nodeType="clickEffect">
                                   <p:stCondLst>
                                     <p:cond delay="0"/>
                                   </p:stCondLst>
                                   <p:childTnLst>
                                     <p:set>
                                       <p:cBhvr>
-                                        <p:cTn id="9" dur="1" fill="hold">
+                                        <p:cTn id="11" dur="1" fill="hold">
                                           <p:stCondLst>
                                             <p:cond delay="0"/>
                                           </p:stCondLst>
@@ -4636,9 +5018,62 @@
                                     </p:set>
                                     <p:animEffect transition="in" filter="fade">
                                       <p:cBhvr>
-                                        <p:cTn id="10" dur="500"/>
+                                        <p:cTn id="12" dur="500"/>
                                         <p:tgtEl>
                                           <p:spTgt spid="15"/>
+                                        </p:tgtEl>
+                                      </p:cBhvr>
+                                    </p:animEffect>
+                                  </p:childTnLst>
+                                </p:cTn>
+                              </p:par>
+                            </p:childTnLst>
+                          </p:cTn>
+                        </p:par>
+                      </p:childTnLst>
+                    </p:cTn>
+                  </p:par>
+                  <p:par>
+                    <p:cTn id="13" fill="hold">
+                      <p:stCondLst>
+                        <p:cond delay="indefinite"/>
+                      </p:stCondLst>
+                      <p:childTnLst>
+                        <p:par>
+                          <p:cTn id="14" fill="hold">
+                            <p:stCondLst>
+                              <p:cond delay="0"/>
+                            </p:stCondLst>
+                            <p:childTnLst>
+                              <p:par>
+                                <p:cTn id="15" presetID="10" presetClass="entr" presetSubtype="0" fill="hold" grpId="0" nodeType="clickEffect">
+                                  <p:stCondLst>
+                                    <p:cond delay="0"/>
+                                  </p:stCondLst>
+                                  <p:childTnLst>
+                                    <p:set>
+                                      <p:cBhvr>
+                                        <p:cTn id="16" dur="1" fill="hold">
+                                          <p:stCondLst>
+                                            <p:cond delay="0"/>
+                                          </p:stCondLst>
+                                        </p:cTn>
+                                        <p:tgtEl>
+                                          <p:spTgt spid="8"/>
+                                        </p:tgtEl>
+                                        <p:attrNameLst>
+                                          <p:attrName>style.visibility</p:attrName>
+                                        </p:attrNameLst>
+                                      </p:cBhvr>
+                                      <p:to>
+                                        <p:strVal val="visible"/>
+                                      </p:to>
+                                    </p:set>
+                                    <p:animEffect transition="in" filter="fade">
+                                      <p:cBhvr>
+                                        <p:cTn id="17" dur="500"/>
+                                        <p:tgtEl>
+                                          <p:spTgt spid="8"/>
                                         </p:tgtEl>
                                       </p:cBhvr>
                                     </p:animEffect>
@@ -4675,6 +5110,7 @@
     <p:bldLst>
       <p:bldP spid="7" grpId="0"/>
       <p:bldP spid="15" grpId="0"/>
+      <p:bldP spid="8" grpId="0"/>
     </p:bldLst>
   </p:timing>
 </p:sld>
@@ -4721,24 +5157,14 @@
           <a:p>
             <a:pPr algn="ctr"/>
             <a:r>
-              <a:rPr lang="ru-RU" sz="4000" dirty="0" smtClean="0">
+              <a:rPr lang="ru-RU" sz="4000" dirty="0">
                 <a:solidFill>
                   <a:srgbClr val="C00000"/>
                 </a:solidFill>
                 <a:latin typeface="Cambria Math" panose="02040503050406030204" pitchFamily="18" charset="0"/>
                 <a:ea typeface="Cambria Math" panose="02040503050406030204" pitchFamily="18" charset="0"/>
               </a:rPr>
-              <a:t>Свойства</a:t>
-            </a:r>
-            <a:r>
-              <a:rPr lang="ru-RU" sz="4000" dirty="0" smtClean="0">
-                <a:solidFill>
-                  <a:srgbClr val="C00000"/>
-                </a:solidFill>
-                <a:latin typeface="Cambria Math" panose="02040503050406030204" pitchFamily="18" charset="0"/>
-                <a:ea typeface="Cambria Math" panose="02040503050406030204" pitchFamily="18" charset="0"/>
-              </a:rPr>
-              <a:t> Лапласиана</a:t>
+              <a:t>Свойства Лапласиана</a:t>
             </a:r>
             <a:endParaRPr lang="en-US" sz="4000" dirty="0">
               <a:solidFill>
@@ -4750,8 +5176,8 @@
           </a:p>
         </p:txBody>
       </p:sp>
-      <mc:AlternateContent xmlns:mc="http://schemas.openxmlformats.org/markup-compatibility/2006">
-        <mc:Choice xmlns:a14="http://schemas.microsoft.com/office/drawing/2010/main" Requires="a14">
+      <mc:AlternateContent xmlns:mc="http://schemas.openxmlformats.org/markup-compatibility/2006" xmlns:a14="http://schemas.microsoft.com/office/drawing/2010/main">
+        <mc:Choice Requires="a14">
           <p:sp>
             <p:nvSpPr>
               <p:cNvPr id="7" name="Прямоугольник 6"/>
@@ -4780,7 +5206,7 @@
                   </a:lnSpc>
                 </a:pPr>
                 <a:r>
-                  <a:rPr lang="ru-RU" sz="3200" dirty="0" smtClean="0">
+                  <a:rPr lang="ru-RU" sz="3200" dirty="0">
                     <a:solidFill>
                       <a:srgbClr val="FF0000"/>
                     </a:solidFill>
@@ -4790,7 +5216,7 @@
                   <a:t>Положительная </a:t>
                 </a:r>
                 <a:r>
-                  <a:rPr lang="ru-RU" sz="3200" dirty="0" err="1" smtClean="0">
+                  <a:rPr lang="ru-RU" sz="3200" dirty="0" err="1">
                     <a:solidFill>
                       <a:srgbClr val="FF0000"/>
                     </a:solidFill>
@@ -4800,7 +5226,7 @@
                   <a:t>полуопределенность</a:t>
                 </a:r>
                 <a:r>
-                  <a:rPr lang="ru-RU" sz="3200" dirty="0" smtClean="0">
+                  <a:rPr lang="ru-RU" sz="3200" dirty="0">
                     <a:latin typeface="Cambria Math" panose="02040503050406030204" pitchFamily="18" charset="0"/>
                     <a:ea typeface="Cambria Math" panose="02040503050406030204" pitchFamily="18" charset="0"/>
                   </a:rPr>
@@ -4892,15 +5318,11 @@
                   </a:rPr>
                   <a:t> </a:t>
                 </a:r>
-                <a:endParaRPr lang="en-US" sz="3200" dirty="0" smtClean="0">
-                  <a:latin typeface="Cambria Math" panose="02040503050406030204" pitchFamily="18" charset="0"/>
-                  <a:ea typeface="Cambria Math" panose="02040503050406030204" pitchFamily="18" charset="0"/>
-                </a:endParaRPr>
               </a:p>
             </p:txBody>
           </p:sp>
         </mc:Choice>
-        <mc:Fallback>
+        <mc:Fallback xmlns="">
           <p:sp>
             <p:nvSpPr>
               <p:cNvPr id="7" name="Прямоугольник 6"/>
@@ -4939,8 +5361,8 @@
           </p:sp>
         </mc:Fallback>
       </mc:AlternateContent>
-      <mc:AlternateContent xmlns:mc="http://schemas.openxmlformats.org/markup-compatibility/2006">
-        <mc:Choice xmlns:a14="http://schemas.microsoft.com/office/drawing/2010/main" Requires="a14">
+      <mc:AlternateContent xmlns:mc="http://schemas.openxmlformats.org/markup-compatibility/2006" xmlns:a14="http://schemas.microsoft.com/office/drawing/2010/main">
+        <mc:Choice Requires="a14">
           <p:sp>
             <p:nvSpPr>
               <p:cNvPr id="5" name="Прямоугольник 4"/>
@@ -4969,7 +5391,7 @@
                   </a:lnSpc>
                 </a:pPr>
                 <a:r>
-                  <a:rPr lang="ru-RU" sz="3200" dirty="0" smtClean="0">
+                  <a:rPr lang="ru-RU" sz="3200" dirty="0">
                     <a:solidFill>
                       <a:srgbClr val="FF0000"/>
                     </a:solidFill>
@@ -4979,7 +5401,7 @@
                   <a:t>Симметричность</a:t>
                 </a:r>
                 <a:r>
-                  <a:rPr lang="ru-RU" sz="3200" dirty="0" smtClean="0">
+                  <a:rPr lang="ru-RU" sz="3200" dirty="0">
                     <a:latin typeface="Cambria Math" panose="02040503050406030204" pitchFamily="18" charset="0"/>
                     <a:ea typeface="Cambria Math" panose="02040503050406030204" pitchFamily="18" charset="0"/>
                   </a:rPr>
@@ -5131,7 +5553,7 @@
                   <a:t> </a:t>
                 </a:r>
                 <a:r>
-                  <a:rPr lang="en-US" sz="3200" dirty="0" smtClean="0">
+                  <a:rPr lang="en-US" sz="3200" dirty="0">
                     <a:solidFill>
                       <a:srgbClr val="0070C0"/>
                     </a:solidFill>
@@ -5140,7 +5562,7 @@
                   </a:rPr>
                   <a:t> </a:t>
                 </a:r>
-                <a:endParaRPr lang="en-US" sz="3200" dirty="0" smtClean="0">
+                <a:endParaRPr lang="en-US" sz="3200" dirty="0">
                   <a:latin typeface="Cambria Math" panose="02040503050406030204" pitchFamily="18" charset="0"/>
                   <a:ea typeface="Cambria Math" panose="02040503050406030204" pitchFamily="18" charset="0"/>
                 </a:endParaRPr>
@@ -5148,7 +5570,7 @@
             </p:txBody>
           </p:sp>
         </mc:Choice>
-        <mc:Fallback>
+        <mc:Fallback xmlns="">
           <p:sp>
             <p:nvSpPr>
               <p:cNvPr id="5" name="Прямоугольник 4"/>
@@ -5187,8 +5609,8 @@
           </p:sp>
         </mc:Fallback>
       </mc:AlternateContent>
-      <mc:AlternateContent xmlns:mc="http://schemas.openxmlformats.org/markup-compatibility/2006">
-        <mc:Choice xmlns:a14="http://schemas.microsoft.com/office/drawing/2010/main" Requires="a14">
+      <mc:AlternateContent xmlns:mc="http://schemas.openxmlformats.org/markup-compatibility/2006" xmlns:a14="http://schemas.microsoft.com/office/drawing/2010/main">
+        <mc:Choice Requires="a14">
           <p:sp>
             <p:nvSpPr>
               <p:cNvPr id="8" name="Прямоугольник 7"/>
@@ -5217,7 +5639,7 @@
                   </a:lnSpc>
                 </a:pPr>
                 <a:r>
-                  <a:rPr lang="ru-RU" sz="3200" dirty="0" smtClean="0">
+                  <a:rPr lang="ru-RU" sz="3200" dirty="0">
                     <a:latin typeface="Cambria Math" panose="02040503050406030204" pitchFamily="18" charset="0"/>
                     <a:ea typeface="Cambria Math" panose="02040503050406030204" pitchFamily="18" charset="0"/>
                   </a:rPr>
@@ -5261,7 +5683,7 @@
                   </m:oMath>
                 </a14:m>
                 <a:r>
-                  <a:rPr lang="en-US" sz="3200" dirty="0" smtClean="0">
+                  <a:rPr lang="en-US" sz="3200" dirty="0">
                     <a:solidFill>
                       <a:srgbClr val="0070C0"/>
                     </a:solidFill>
@@ -5271,14 +5693,14 @@
                   <a:t> </a:t>
                 </a:r>
                 <a:r>
-                  <a:rPr lang="ru-RU" sz="3200" dirty="0" smtClean="0">
+                  <a:rPr lang="ru-RU" sz="3200" dirty="0">
                     <a:latin typeface="Cambria Math" panose="02040503050406030204" pitchFamily="18" charset="0"/>
                     <a:ea typeface="Cambria Math" panose="02040503050406030204" pitchFamily="18" charset="0"/>
                   </a:rPr>
                   <a:t>для </a:t>
                 </a:r>
                 <a:r>
-                  <a:rPr lang="ru-RU" sz="3200" dirty="0" smtClean="0">
+                  <a:rPr lang="ru-RU" sz="3200" dirty="0">
                     <a:solidFill>
                       <a:srgbClr val="FF0000"/>
                     </a:solidFill>
@@ -5288,7 +5710,7 @@
                   <a:t>ограниченной</a:t>
                 </a:r>
                 <a:r>
-                  <a:rPr lang="ru-RU" sz="3200" dirty="0" smtClean="0">
+                  <a:rPr lang="ru-RU" sz="3200" dirty="0">
                     <a:latin typeface="Cambria Math" panose="02040503050406030204" pitchFamily="18" charset="0"/>
                     <a:ea typeface="Cambria Math" panose="02040503050406030204" pitchFamily="18" charset="0"/>
                   </a:rPr>
@@ -5415,14 +5837,14 @@
                   </m:oMath>
                 </a14:m>
                 <a:r>
-                  <a:rPr lang="en-US" sz="3200" dirty="0" smtClean="0">
+                  <a:rPr lang="en-US" sz="3200" dirty="0">
                     <a:latin typeface="Cambria Math" panose="02040503050406030204" pitchFamily="18" charset="0"/>
                     <a:ea typeface="Cambria Math" panose="02040503050406030204" pitchFamily="18" charset="0"/>
                   </a:rPr>
                   <a:t> </a:t>
                 </a:r>
                 <a:r>
-                  <a:rPr lang="ru-RU" sz="3200" dirty="0" smtClean="0">
+                  <a:rPr lang="ru-RU" sz="3200" dirty="0">
                     <a:latin typeface="Cambria Math" panose="02040503050406030204" pitchFamily="18" charset="0"/>
                     <a:ea typeface="Cambria Math" panose="02040503050406030204" pitchFamily="18" charset="0"/>
                   </a:rPr>
@@ -5472,7 +5894,7 @@
                     </m:r>
                   </m:oMath>
                 </a14:m>
-                <a:endParaRPr lang="en-US" sz="3200" dirty="0" smtClean="0">
+                <a:endParaRPr lang="en-US" sz="3200" dirty="0">
                   <a:solidFill>
                     <a:srgbClr val="0070C0"/>
                   </a:solidFill>
@@ -5483,7 +5905,7 @@
             </p:txBody>
           </p:sp>
         </mc:Choice>
-        <mc:Fallback>
+        <mc:Fallback xmlns="">
           <p:sp>
             <p:nvSpPr>
               <p:cNvPr id="8" name="Прямоугольник 7"/>
@@ -5522,8 +5944,8 @@
           </p:sp>
         </mc:Fallback>
       </mc:AlternateContent>
-      <mc:AlternateContent xmlns:mc="http://schemas.openxmlformats.org/markup-compatibility/2006">
-        <mc:Choice xmlns:a14="http://schemas.microsoft.com/office/drawing/2010/main" Requires="a14">
+      <mc:AlternateContent xmlns:mc="http://schemas.openxmlformats.org/markup-compatibility/2006" xmlns:a14="http://schemas.microsoft.com/office/drawing/2010/main">
+        <mc:Choice Requires="a14">
           <p:sp>
             <p:nvSpPr>
               <p:cNvPr id="9" name="Прямоугольник 8"/>
@@ -5552,7 +5974,7 @@
                   </a:lnSpc>
                 </a:pPr>
                 <a:r>
-                  <a:rPr lang="ru-RU" sz="3200" dirty="0" smtClean="0">
+                  <a:rPr lang="ru-RU" sz="3200" dirty="0">
                     <a:latin typeface="Cambria Math" panose="02040503050406030204" pitchFamily="18" charset="0"/>
                     <a:ea typeface="Cambria Math" panose="02040503050406030204" pitchFamily="18" charset="0"/>
                   </a:rPr>
@@ -5596,7 +6018,7 @@
                   </m:oMath>
                 </a14:m>
                 <a:r>
-                  <a:rPr lang="en-US" sz="3200" dirty="0" smtClean="0">
+                  <a:rPr lang="en-US" sz="3200" dirty="0">
                     <a:solidFill>
                       <a:srgbClr val="0070C0"/>
                     </a:solidFill>
@@ -5606,7 +6028,7 @@
                   <a:t> </a:t>
                 </a:r>
                 <a:r>
-                  <a:rPr lang="ru-RU" sz="3200" dirty="0" smtClean="0">
+                  <a:rPr lang="ru-RU" sz="3200" dirty="0">
                     <a:latin typeface="Cambria Math" panose="02040503050406030204" pitchFamily="18" charset="0"/>
                     <a:ea typeface="Cambria Math" panose="02040503050406030204" pitchFamily="18" charset="0"/>
                   </a:rPr>
@@ -5753,28 +6175,28 @@
                   </m:oMath>
                 </a14:m>
                 <a:r>
-                  <a:rPr lang="en-US" sz="3200" dirty="0" smtClean="0">
+                  <a:rPr lang="en-US" sz="3200" dirty="0">
                     <a:latin typeface="Cambria Math" panose="02040503050406030204" pitchFamily="18" charset="0"/>
                     <a:ea typeface="Cambria Math" panose="02040503050406030204" pitchFamily="18" charset="0"/>
                   </a:rPr>
                   <a:t> </a:t>
                 </a:r>
                 <a:r>
-                  <a:rPr lang="ru-RU" sz="3200" dirty="0" smtClean="0">
+                  <a:rPr lang="ru-RU" sz="3200" dirty="0">
                     <a:latin typeface="Cambria Math" panose="02040503050406030204" pitchFamily="18" charset="0"/>
                     <a:ea typeface="Cambria Math" panose="02040503050406030204" pitchFamily="18" charset="0"/>
                   </a:rPr>
                   <a:t>то</a:t>
                 </a:r>
                 <a:r>
-                  <a:rPr lang="en-US" sz="3200" dirty="0" smtClean="0">
+                  <a:rPr lang="en-US" sz="3200" dirty="0">
                     <a:latin typeface="Cambria Math" panose="02040503050406030204" pitchFamily="18" charset="0"/>
                     <a:ea typeface="Cambria Math" panose="02040503050406030204" pitchFamily="18" charset="0"/>
                   </a:rPr>
                   <a:t> </a:t>
                 </a:r>
                 <a:r>
-                  <a:rPr lang="ru-RU" sz="3200" dirty="0" smtClean="0">
+                  <a:rPr lang="ru-RU" sz="3200" dirty="0">
                     <a:solidFill>
                       <a:srgbClr val="FF0000"/>
                     </a:solidFill>
@@ -5784,14 +6206,14 @@
                   <a:t>локальный экстремум </a:t>
                 </a:r>
                 <a:r>
-                  <a:rPr lang="ru-RU" sz="3200" dirty="0" smtClean="0">
+                  <a:rPr lang="ru-RU" sz="3200" dirty="0">
                     <a:latin typeface="Cambria Math" panose="02040503050406030204" pitchFamily="18" charset="0"/>
                     <a:ea typeface="Cambria Math" panose="02040503050406030204" pitchFamily="18" charset="0"/>
                   </a:rPr>
                   <a:t>достигается в </a:t>
                 </a:r>
                 <a:r>
-                  <a:rPr lang="ru-RU" sz="3200" dirty="0" smtClean="0">
+                  <a:rPr lang="ru-RU" sz="3200" dirty="0">
                     <a:solidFill>
                       <a:srgbClr val="FF0000"/>
                     </a:solidFill>
@@ -5801,7 +6223,7 @@
                   <a:t>граничных</a:t>
                 </a:r>
                 <a:r>
-                  <a:rPr lang="ru-RU" sz="3200" dirty="0" smtClean="0">
+                  <a:rPr lang="ru-RU" sz="3200" dirty="0">
                     <a:latin typeface="Cambria Math" panose="02040503050406030204" pitchFamily="18" charset="0"/>
                     <a:ea typeface="Cambria Math" panose="02040503050406030204" pitchFamily="18" charset="0"/>
                   </a:rPr>
@@ -5832,7 +6254,7 @@
                   </m:oMath>
                 </a14:m>
                 <a:r>
-                  <a:rPr lang="en-US" sz="3200" dirty="0" smtClean="0">
+                  <a:rPr lang="en-US" sz="3200" dirty="0">
                     <a:latin typeface="Cambria Math" panose="02040503050406030204" pitchFamily="18" charset="0"/>
                     <a:ea typeface="Cambria Math" panose="02040503050406030204" pitchFamily="18" charset="0"/>
                   </a:rPr>
@@ -5842,7 +6264,7 @@
             </p:txBody>
           </p:sp>
         </mc:Choice>
-        <mc:Fallback>
+        <mc:Fallback xmlns="">
           <p:sp>
             <p:nvSpPr>
               <p:cNvPr id="9" name="Прямоугольник 8"/>
@@ -5881,8 +6303,8 @@
           </p:sp>
         </mc:Fallback>
       </mc:AlternateContent>
-      <mc:AlternateContent xmlns:mc="http://schemas.openxmlformats.org/markup-compatibility/2006">
-        <mc:Choice xmlns:a14="http://schemas.microsoft.com/office/drawing/2010/main" Requires="a14">
+      <mc:AlternateContent xmlns:mc="http://schemas.openxmlformats.org/markup-compatibility/2006" xmlns:a14="http://schemas.microsoft.com/office/drawing/2010/main">
+        <mc:Choice Requires="a14">
           <p:sp>
             <p:nvSpPr>
               <p:cNvPr id="10" name="Прямоугольник 9"/>
@@ -5911,7 +6333,7 @@
                   </a:lnSpc>
                 </a:pPr>
                 <a:r>
-                  <a:rPr lang="ru-RU" sz="3200" dirty="0" smtClean="0">
+                  <a:rPr lang="ru-RU" sz="3200" dirty="0">
                     <a:latin typeface="Cambria Math" panose="02040503050406030204" pitchFamily="18" charset="0"/>
                     <a:ea typeface="Cambria Math" panose="02040503050406030204" pitchFamily="18" charset="0"/>
                   </a:rPr>
@@ -6024,7 +6446,7 @@
                   </m:oMath>
                 </a14:m>
                 <a:r>
-                  <a:rPr lang="en-US" sz="3200" dirty="0" smtClean="0">
+                  <a:rPr lang="en-US" sz="3200" dirty="0">
                     <a:solidFill>
                       <a:srgbClr val="0070C0"/>
                     </a:solidFill>
@@ -6034,14 +6456,14 @@
                   <a:t> </a:t>
                 </a:r>
                 <a:r>
-                  <a:rPr lang="en-US" sz="3200" dirty="0" smtClean="0">
+                  <a:rPr lang="en-US" sz="3200" dirty="0">
                     <a:latin typeface="Cambria Math" panose="02040503050406030204" pitchFamily="18" charset="0"/>
                     <a:ea typeface="Cambria Math" panose="02040503050406030204" pitchFamily="18" charset="0"/>
                   </a:rPr>
                   <a:t>, </a:t>
                 </a:r>
                 <a:r>
-                  <a:rPr lang="ru-RU" sz="3200" dirty="0" smtClean="0">
+                  <a:rPr lang="ru-RU" sz="3200" dirty="0">
                     <a:latin typeface="Cambria Math" panose="02040503050406030204" pitchFamily="18" charset="0"/>
                     <a:ea typeface="Cambria Math" panose="02040503050406030204" pitchFamily="18" charset="0"/>
                   </a:rPr>
@@ -6346,7 +6768,7 @@
                   </m:oMath>
                 </a14:m>
                 <a:r>
-                  <a:rPr lang="en-US" sz="3200" dirty="0" smtClean="0">
+                  <a:rPr lang="en-US" sz="3200" dirty="0">
                     <a:solidFill>
                       <a:srgbClr val="0070C0"/>
                     </a:solidFill>
@@ -6356,14 +6778,14 @@
                   <a:t> </a:t>
                 </a:r>
                 <a:r>
-                  <a:rPr lang="ru-RU" sz="3200" dirty="0" smtClean="0">
+                  <a:rPr lang="ru-RU" sz="3200" dirty="0">
                     <a:latin typeface="Cambria Math" panose="02040503050406030204" pitchFamily="18" charset="0"/>
                     <a:ea typeface="Cambria Math" panose="02040503050406030204" pitchFamily="18" charset="0"/>
                   </a:rPr>
                   <a:t>где</a:t>
                 </a:r>
                 <a:r>
-                  <a:rPr lang="ru-RU" sz="3200" dirty="0" smtClean="0">
+                  <a:rPr lang="ru-RU" sz="3200" dirty="0">
                     <a:solidFill>
                       <a:srgbClr val="0070C0"/>
                     </a:solidFill>
@@ -6372,7 +6794,7 @@
                   </a:rPr>
                   <a:t> </a:t>
                 </a:r>
-                <a:endParaRPr lang="en-US" sz="3200" dirty="0" smtClean="0">
+                <a:endParaRPr lang="en-US" sz="3200" dirty="0">
                   <a:solidFill>
                     <a:srgbClr val="0070C0"/>
                   </a:solidFill>
@@ -6401,7 +6823,7 @@
                   </m:oMath>
                 </a14:m>
                 <a:r>
-                  <a:rPr lang="en-US" sz="3200" dirty="0" smtClean="0">
+                  <a:rPr lang="en-US" sz="3200" dirty="0">
                     <a:solidFill>
                       <a:srgbClr val="0070C0"/>
                     </a:solidFill>
@@ -6411,28 +6833,28 @@
                   <a:t> </a:t>
                 </a:r>
                 <a:r>
-                  <a:rPr lang="en-US" sz="3200" dirty="0" smtClean="0">
+                  <a:rPr lang="en-US" sz="3200" dirty="0">
                     <a:latin typeface="Cambria Math" panose="02040503050406030204" pitchFamily="18" charset="0"/>
                     <a:ea typeface="Cambria Math" panose="02040503050406030204" pitchFamily="18" charset="0"/>
                   </a:rPr>
                   <a:t>– </a:t>
                 </a:r>
                 <a:r>
-                  <a:rPr lang="ru-RU" sz="3200" dirty="0" smtClean="0">
+                  <a:rPr lang="ru-RU" sz="3200" dirty="0">
                     <a:latin typeface="Cambria Math" panose="02040503050406030204" pitchFamily="18" charset="0"/>
                     <a:ea typeface="Cambria Math" panose="02040503050406030204" pitchFamily="18" charset="0"/>
                   </a:rPr>
                   <a:t>средняя кривизна поверхности</a:t>
                 </a:r>
                 <a:r>
-                  <a:rPr lang="en-US" sz="3200" dirty="0" smtClean="0">
+                  <a:rPr lang="en-US" sz="3200" dirty="0">
                     <a:latin typeface="Cambria Math" panose="02040503050406030204" pitchFamily="18" charset="0"/>
                     <a:ea typeface="Cambria Math" panose="02040503050406030204" pitchFamily="18" charset="0"/>
                   </a:rPr>
                   <a:t>,</a:t>
                 </a:r>
                 <a:r>
-                  <a:rPr lang="en-US" sz="3200" dirty="0" smtClean="0">
+                  <a:rPr lang="en-US" sz="3200" dirty="0">
                     <a:solidFill>
                       <a:srgbClr val="0070C0"/>
                     </a:solidFill>
@@ -6472,7 +6894,7 @@
                   </m:oMath>
                 </a14:m>
                 <a:r>
-                  <a:rPr lang="ru-RU" sz="3200" dirty="0" smtClean="0">
+                  <a:rPr lang="ru-RU" sz="3200" dirty="0">
                     <a:solidFill>
                       <a:srgbClr val="0070C0"/>
                     </a:solidFill>
@@ -6489,13 +6911,13 @@
                   <a:t>–</a:t>
                 </a:r>
                 <a:r>
-                  <a:rPr lang="ru-RU" sz="3200" dirty="0" smtClean="0">
+                  <a:rPr lang="ru-RU" sz="3200" dirty="0">
                     <a:latin typeface="Cambria Math" panose="02040503050406030204" pitchFamily="18" charset="0"/>
                     <a:ea typeface="Cambria Math" panose="02040503050406030204" pitchFamily="18" charset="0"/>
                   </a:rPr>
                   <a:t> ее вектор главной нормали.</a:t>
                 </a:r>
-                <a:endParaRPr lang="en-US" sz="3200" dirty="0" smtClean="0">
+                <a:endParaRPr lang="en-US" sz="3200" dirty="0">
                   <a:latin typeface="Cambria Math" panose="02040503050406030204" pitchFamily="18" charset="0"/>
                   <a:ea typeface="Cambria Math" panose="02040503050406030204" pitchFamily="18" charset="0"/>
                 </a:endParaRPr>
@@ -6503,7 +6925,7 @@
             </p:txBody>
           </p:sp>
         </mc:Choice>
-        <mc:Fallback>
+        <mc:Fallback xmlns="">
           <p:sp>
             <p:nvSpPr>
               <p:cNvPr id="10" name="Прямоугольник 9"/>
@@ -6610,15 +7032,33 @@
                                   </p:childTnLst>
                                 </p:cTn>
                               </p:par>
+                            </p:childTnLst>
+                          </p:cTn>
+                        </p:par>
+                      </p:childTnLst>
+                    </p:cTn>
+                  </p:par>
+                  <p:par>
+                    <p:cTn id="8" fill="hold">
+                      <p:stCondLst>
+                        <p:cond delay="indefinite"/>
+                      </p:stCondLst>
+                      <p:childTnLst>
+                        <p:par>
+                          <p:cTn id="9" fill="hold">
+                            <p:stCondLst>
+                              <p:cond delay="0"/>
+                            </p:stCondLst>
+                            <p:childTnLst>
                               <p:par>
-                                <p:cTn id="8" presetID="10" presetClass="entr" presetSubtype="0" fill="hold" grpId="0" nodeType="withEffect">
+                                <p:cTn id="10" presetID="10" presetClass="entr" presetSubtype="0" fill="hold" grpId="0" nodeType="clickEffect">
                                   <p:stCondLst>
                                     <p:cond delay="0"/>
                                   </p:stCondLst>
                                   <p:childTnLst>
                                     <p:set>
                                       <p:cBhvr>
-                                        <p:cTn id="9" dur="1" fill="hold">
+                                        <p:cTn id="11" dur="1" fill="hold">
                                           <p:stCondLst>
                                             <p:cond delay="0"/>
                                           </p:stCondLst>
@@ -6636,7 +7076,7 @@
                                     </p:set>
                                     <p:animEffect transition="in" filter="fade">
                                       <p:cBhvr>
-                                        <p:cTn id="10" dur="500"/>
+                                        <p:cTn id="12" dur="500"/>
                                         <p:tgtEl>
                                           <p:spTgt spid="5"/>
                                         </p:tgtEl>
@@ -6645,15 +7085,33 @@
                                   </p:childTnLst>
                                 </p:cTn>
                               </p:par>
+                            </p:childTnLst>
+                          </p:cTn>
+                        </p:par>
+                      </p:childTnLst>
+                    </p:cTn>
+                  </p:par>
+                  <p:par>
+                    <p:cTn id="13" fill="hold">
+                      <p:stCondLst>
+                        <p:cond delay="indefinite"/>
+                      </p:stCondLst>
+                      <p:childTnLst>
+                        <p:par>
+                          <p:cTn id="14" fill="hold">
+                            <p:stCondLst>
+                              <p:cond delay="0"/>
+                            </p:stCondLst>
+                            <p:childTnLst>
                               <p:par>
-                                <p:cTn id="11" presetID="10" presetClass="entr" presetSubtype="0" fill="hold" grpId="0" nodeType="withEffect">
+                                <p:cTn id="15" presetID="10" presetClass="entr" presetSubtype="0" fill="hold" grpId="0" nodeType="clickEffect">
                                   <p:stCondLst>
                                     <p:cond delay="0"/>
                                   </p:stCondLst>
                                   <p:childTnLst>
                                     <p:set>
                                       <p:cBhvr>
-                                        <p:cTn id="12" dur="1" fill="hold">
+                                        <p:cTn id="16" dur="1" fill="hold">
                                           <p:stCondLst>
                                             <p:cond delay="0"/>
                                           </p:stCondLst>
@@ -6671,7 +7129,7 @@
                                     </p:set>
                                     <p:animEffect transition="in" filter="fade">
                                       <p:cBhvr>
-                                        <p:cTn id="13" dur="500"/>
+                                        <p:cTn id="17" dur="500"/>
                                         <p:tgtEl>
                                           <p:spTgt spid="8"/>
                                         </p:tgtEl>
@@ -6680,15 +7138,33 @@
                                   </p:childTnLst>
                                 </p:cTn>
                               </p:par>
+                            </p:childTnLst>
+                          </p:cTn>
+                        </p:par>
+                      </p:childTnLst>
+                    </p:cTn>
+                  </p:par>
+                  <p:par>
+                    <p:cTn id="18" fill="hold">
+                      <p:stCondLst>
+                        <p:cond delay="indefinite"/>
+                      </p:stCondLst>
+                      <p:childTnLst>
+                        <p:par>
+                          <p:cTn id="19" fill="hold">
+                            <p:stCondLst>
+                              <p:cond delay="0"/>
+                            </p:stCondLst>
+                            <p:childTnLst>
                               <p:par>
-                                <p:cTn id="14" presetID="10" presetClass="entr" presetSubtype="0" fill="hold" grpId="0" nodeType="withEffect">
+                                <p:cTn id="20" presetID="10" presetClass="entr" presetSubtype="0" fill="hold" grpId="0" nodeType="clickEffect">
                                   <p:stCondLst>
                                     <p:cond delay="0"/>
                                   </p:stCondLst>
                                   <p:childTnLst>
                                     <p:set>
                                       <p:cBhvr>
-                                        <p:cTn id="15" dur="1" fill="hold">
+                                        <p:cTn id="21" dur="1" fill="hold">
                                           <p:stCondLst>
                                             <p:cond delay="0"/>
                                           </p:stCondLst>
@@ -6706,7 +7182,7 @@
                                     </p:set>
                                     <p:animEffect transition="in" filter="fade">
                                       <p:cBhvr>
-                                        <p:cTn id="16" dur="500"/>
+                                        <p:cTn id="22" dur="500"/>
                                         <p:tgtEl>
                                           <p:spTgt spid="9"/>
                                         </p:tgtEl>
@@ -6715,15 +7191,33 @@
                                   </p:childTnLst>
                                 </p:cTn>
                               </p:par>
+                            </p:childTnLst>
+                          </p:cTn>
+                        </p:par>
+                      </p:childTnLst>
+                    </p:cTn>
+                  </p:par>
+                  <p:par>
+                    <p:cTn id="23" fill="hold">
+                      <p:stCondLst>
+                        <p:cond delay="indefinite"/>
+                      </p:stCondLst>
+                      <p:childTnLst>
+                        <p:par>
+                          <p:cTn id="24" fill="hold">
+                            <p:stCondLst>
+                              <p:cond delay="0"/>
+                            </p:stCondLst>
+                            <p:childTnLst>
                               <p:par>
-                                <p:cTn id="17" presetID="10" presetClass="entr" presetSubtype="0" fill="hold" grpId="0" nodeType="withEffect">
+                                <p:cTn id="25" presetID="10" presetClass="entr" presetSubtype="0" fill="hold" grpId="0" nodeType="clickEffect">
                                   <p:stCondLst>
                                     <p:cond delay="0"/>
                                   </p:stCondLst>
                                   <p:childTnLst>
                                     <p:set>
                                       <p:cBhvr>
-                                        <p:cTn id="18" dur="1" fill="hold">
+                                        <p:cTn id="26" dur="1" fill="hold">
                                           <p:stCondLst>
                                             <p:cond delay="0"/>
                                           </p:stCondLst>
@@ -6741,7 +7235,7 @@
                                     </p:set>
                                     <p:animEffect transition="in" filter="fade">
                                       <p:cBhvr>
-                                        <p:cTn id="19" dur="500"/>
+                                        <p:cTn id="27" dur="500"/>
                                         <p:tgtEl>
                                           <p:spTgt spid="10"/>
                                         </p:tgtEl>
@@ -6829,7 +7323,7 @@
           <a:p>
             <a:pPr algn="ctr"/>
             <a:r>
-              <a:rPr lang="ru-RU" sz="4000" dirty="0" smtClean="0">
+              <a:rPr lang="ru-RU" sz="4000" dirty="0">
                 <a:solidFill>
                   <a:srgbClr val="C00000"/>
                 </a:solidFill>
@@ -6878,7 +7372,7 @@
                   </a:lnSpc>
                 </a:pPr>
                 <a:r>
-                  <a:rPr lang="ru-RU" sz="3200" dirty="0" smtClean="0">
+                  <a:rPr lang="ru-RU" sz="3200" dirty="0">
                     <a:latin typeface="Cambria Math" panose="02040503050406030204" pitchFamily="18" charset="0"/>
                     <a:ea typeface="Cambria Math" panose="02040503050406030204" pitchFamily="18" charset="0"/>
                   </a:rPr>
@@ -6987,20 +7481,20 @@
                   </m:oMath>
                 </a14:m>
                 <a:r>
-                  <a:rPr lang="en-US" sz="3200" dirty="0" smtClean="0">
+                  <a:rPr lang="en-US" sz="3200" dirty="0">
                     <a:latin typeface="Cambria Math" panose="02040503050406030204" pitchFamily="18" charset="0"/>
                     <a:ea typeface="Cambria Math" panose="02040503050406030204" pitchFamily="18" charset="0"/>
                   </a:rPr>
                   <a:t>– </a:t>
                 </a:r>
                 <a:r>
-                  <a:rPr lang="ru-RU" sz="3200" dirty="0" smtClean="0">
+                  <a:rPr lang="ru-RU" sz="3200" dirty="0">
                     <a:latin typeface="Cambria Math" panose="02040503050406030204" pitchFamily="18" charset="0"/>
                     <a:ea typeface="Cambria Math" panose="02040503050406030204" pitchFamily="18" charset="0"/>
                   </a:rPr>
                   <a:t>симплициальная поверхность. </a:t>
                 </a:r>
-                <a:endParaRPr lang="en-US" sz="3200" dirty="0" smtClean="0">
+                <a:endParaRPr lang="en-US" sz="3200" dirty="0">
                   <a:latin typeface="Cambria Math" panose="02040503050406030204" pitchFamily="18" charset="0"/>
                   <a:ea typeface="Cambria Math" panose="02040503050406030204" pitchFamily="18" charset="0"/>
                 </a:endParaRPr>
@@ -7047,8 +7541,8 @@
           </p:sp>
         </mc:Fallback>
       </mc:AlternateContent>
-      <mc:AlternateContent xmlns:mc="http://schemas.openxmlformats.org/markup-compatibility/2006">
-        <mc:Choice xmlns:a14="http://schemas.microsoft.com/office/drawing/2010/main" Requires="a14">
+      <mc:AlternateContent xmlns:mc="http://schemas.openxmlformats.org/markup-compatibility/2006" xmlns:a14="http://schemas.microsoft.com/office/drawing/2010/main">
+        <mc:Choice Requires="a14">
           <p:sp>
             <p:nvSpPr>
               <p:cNvPr id="5" name="Прямоугольник 4"/>
@@ -7077,7 +7571,7 @@
                   </a:lnSpc>
                 </a:pPr>
                 <a:r>
-                  <a:rPr lang="ru-RU" sz="3200" dirty="0" smtClean="0">
+                  <a:rPr lang="ru-RU" sz="3200" dirty="0">
                     <a:latin typeface="Cambria Math" panose="02040503050406030204" pitchFamily="18" charset="0"/>
                     <a:ea typeface="Cambria Math" panose="02040503050406030204" pitchFamily="18" charset="0"/>
                   </a:rPr>
@@ -7095,14 +7589,14 @@
                   </m:oMath>
                 </a14:m>
                 <a:r>
-                  <a:rPr lang="en-US" sz="3200" dirty="0" smtClean="0">
+                  <a:rPr lang="en-US" sz="3200" dirty="0">
                     <a:latin typeface="Cambria Math" panose="02040503050406030204" pitchFamily="18" charset="0"/>
                     <a:ea typeface="Cambria Math" panose="02040503050406030204" pitchFamily="18" charset="0"/>
                   </a:rPr>
                   <a:t> </a:t>
                 </a:r>
                 <a:r>
-                  <a:rPr lang="ru-RU" sz="3200" dirty="0" smtClean="0">
+                  <a:rPr lang="ru-RU" sz="3200" dirty="0">
                     <a:latin typeface="Cambria Math" panose="02040503050406030204" pitchFamily="18" charset="0"/>
                     <a:ea typeface="Cambria Math" panose="02040503050406030204" pitchFamily="18" charset="0"/>
                   </a:rPr>
@@ -7396,21 +7890,21 @@
                   </m:oMath>
                 </a14:m>
                 <a:r>
-                  <a:rPr lang="en-US" sz="3200" dirty="0" smtClean="0">
+                  <a:rPr lang="en-US" sz="3200" dirty="0">
                     <a:latin typeface="Cambria Math" panose="02040503050406030204" pitchFamily="18" charset="0"/>
                     <a:ea typeface="Cambria Math" panose="02040503050406030204" pitchFamily="18" charset="0"/>
                   </a:rPr>
                   <a:t>,  </a:t>
                 </a:r>
                 <a:r>
-                  <a:rPr lang="ru-RU" sz="3200" dirty="0" smtClean="0">
+                  <a:rPr lang="ru-RU" sz="3200" dirty="0">
                     <a:latin typeface="Cambria Math" panose="02040503050406030204" pitchFamily="18" charset="0"/>
                     <a:ea typeface="Cambria Math" panose="02040503050406030204" pitchFamily="18" charset="0"/>
                   </a:rPr>
                   <a:t>где</a:t>
                 </a:r>
                 <a:r>
-                  <a:rPr lang="en-US" sz="3200" dirty="0" smtClean="0">
+                  <a:rPr lang="en-US" sz="3200" dirty="0">
                     <a:latin typeface="Cambria Math" panose="02040503050406030204" pitchFamily="18" charset="0"/>
                     <a:ea typeface="Cambria Math" panose="02040503050406030204" pitchFamily="18" charset="0"/>
                   </a:rPr>
@@ -7609,7 +8103,7 @@
                   </m:oMath>
                 </a14:m>
                 <a:r>
-                  <a:rPr lang="en-US" sz="3200" dirty="0" smtClean="0">
+                  <a:rPr lang="en-US" sz="3200" dirty="0">
                     <a:solidFill>
                       <a:srgbClr val="0070C0"/>
                     </a:solidFill>
@@ -7619,14 +8113,14 @@
                   <a:t> </a:t>
                 </a:r>
                 <a:r>
-                  <a:rPr lang="en-US" sz="3200" dirty="0" smtClean="0">
+                  <a:rPr lang="en-US" sz="3200" dirty="0">
                     <a:latin typeface="Cambria Math" panose="02040503050406030204" pitchFamily="18" charset="0"/>
                     <a:ea typeface="Cambria Math" panose="02040503050406030204" pitchFamily="18" charset="0"/>
                   </a:rPr>
                   <a:t>– </a:t>
                 </a:r>
                 <a:r>
-                  <a:rPr lang="ru-RU" sz="3200" dirty="0" smtClean="0">
+                  <a:rPr lang="ru-RU" sz="3200" dirty="0">
                     <a:latin typeface="Cambria Math" panose="02040503050406030204" pitchFamily="18" charset="0"/>
                     <a:ea typeface="Cambria Math" panose="02040503050406030204" pitchFamily="18" charset="0"/>
                   </a:rPr>
@@ -7679,13 +8173,13 @@
                   </m:oMath>
                 </a14:m>
                 <a:r>
-                  <a:rPr lang="ru-RU" sz="3200" dirty="0" smtClean="0">
+                  <a:rPr lang="ru-RU" sz="3200" dirty="0">
                     <a:latin typeface="Cambria Math" panose="02040503050406030204" pitchFamily="18" charset="0"/>
                     <a:ea typeface="Cambria Math" panose="02040503050406030204" pitchFamily="18" charset="0"/>
                   </a:rPr>
                   <a:t>. </a:t>
                 </a:r>
-                <a:endParaRPr lang="en-US" sz="3200" dirty="0" smtClean="0">
+                <a:endParaRPr lang="en-US" sz="3200" dirty="0">
                   <a:latin typeface="Cambria Math" panose="02040503050406030204" pitchFamily="18" charset="0"/>
                   <a:ea typeface="Cambria Math" panose="02040503050406030204" pitchFamily="18" charset="0"/>
                 </a:endParaRPr>
@@ -7693,7 +8187,7 @@
             </p:txBody>
           </p:sp>
         </mc:Choice>
-        <mc:Fallback>
+        <mc:Fallback xmlns="">
           <p:sp>
             <p:nvSpPr>
               <p:cNvPr id="5" name="Прямоугольник 4"/>
@@ -7762,7 +8256,7 @@
                   </a:lnSpc>
                 </a:pPr>
                 <a:r>
-                  <a:rPr lang="ru-RU" sz="3200" dirty="0" smtClean="0">
+                  <a:rPr lang="ru-RU" sz="3200" dirty="0">
                     <a:latin typeface="Cambria Math" panose="02040503050406030204" pitchFamily="18" charset="0"/>
                     <a:ea typeface="Cambria Math" panose="02040503050406030204" pitchFamily="18" charset="0"/>
                   </a:rPr>
@@ -8229,36 +8723,43 @@
                       </a:rPr>
                       <m:t>=</m:t>
                     </m:r>
-                    <m:r>
-                      <a:rPr lang="en-US" sz="3200" b="0" i="1" smtClean="0">
-                        <a:solidFill>
-                          <a:srgbClr val="0070C0"/>
-                        </a:solidFill>
-                        <a:latin typeface="Cambria Math" panose="02040503050406030204" pitchFamily="18" charset="0"/>
-                        <a:ea typeface="Cambria Math" panose="02040503050406030204" pitchFamily="18" charset="0"/>
-                      </a:rPr>
-                      <m:t>𝛿</m:t>
-                    </m:r>
-                    <m:r>
-                      <a:rPr lang="en-US" sz="3200" b="0" i="1" smtClean="0">
-                        <a:solidFill>
-                          <a:srgbClr val="0070C0"/>
-                        </a:solidFill>
-                        <a:latin typeface="Cambria Math" panose="02040503050406030204" pitchFamily="18" charset="0"/>
-                        <a:ea typeface="Cambria Math" panose="02040503050406030204" pitchFamily="18" charset="0"/>
-                      </a:rPr>
-                      <m:t>_</m:t>
-                    </m:r>
-                    <m:r>
-                      <a:rPr lang="en-US" sz="3200" b="0" i="1" smtClean="0">
-                        <a:solidFill>
-                          <a:srgbClr val="0070C0"/>
-                        </a:solidFill>
-                        <a:latin typeface="Cambria Math" panose="02040503050406030204" pitchFamily="18" charset="0"/>
-                        <a:ea typeface="Cambria Math" panose="02040503050406030204" pitchFamily="18" charset="0"/>
-                      </a:rPr>
-                      <m:t>𝑗</m:t>
-                    </m:r>
+                    <m:sSub>
+                      <m:sSubPr>
+                        <m:ctrlPr>
+                          <a:rPr lang="en-US" sz="3200" b="0" i="1" smtClean="0">
+                            <a:solidFill>
+                              <a:srgbClr val="0070C0"/>
+                            </a:solidFill>
+                            <a:latin typeface="Cambria Math" panose="02040503050406030204" pitchFamily="18" charset="0"/>
+                            <a:ea typeface="Cambria Math" panose="02040503050406030204" pitchFamily="18" charset="0"/>
+                          </a:rPr>
+                        </m:ctrlPr>
+                      </m:sSubPr>
+                      <m:e>
+                        <m:r>
+                          <a:rPr lang="en-US" sz="3200" b="0" i="1" smtClean="0">
+                            <a:solidFill>
+                              <a:srgbClr val="0070C0"/>
+                            </a:solidFill>
+                            <a:latin typeface="Cambria Math" panose="02040503050406030204" pitchFamily="18" charset="0"/>
+                            <a:ea typeface="Cambria Math" panose="02040503050406030204" pitchFamily="18" charset="0"/>
+                          </a:rPr>
+                          <m:t>𝛿</m:t>
+                        </m:r>
+                      </m:e>
+                      <m:sub>
+                        <m:r>
+                          <a:rPr lang="en-US" sz="3200" b="0" i="1" smtClean="0">
+                            <a:solidFill>
+                              <a:srgbClr val="0070C0"/>
+                            </a:solidFill>
+                            <a:latin typeface="Cambria Math" panose="02040503050406030204" pitchFamily="18" charset="0"/>
+                            <a:ea typeface="Cambria Math" panose="02040503050406030204" pitchFamily="18" charset="0"/>
+                          </a:rPr>
+                          <m:t>𝑗</m:t>
+                        </m:r>
+                      </m:sub>
+                    </m:sSub>
                     <m:r>
                       <a:rPr lang="en-US" sz="3200" b="0" i="1" smtClean="0">
                         <a:solidFill>
@@ -8272,16 +8773,12 @@
                   </m:oMath>
                 </a14:m>
                 <a:r>
-                  <a:rPr lang="en-US" sz="3200" dirty="0" smtClean="0">
+                  <a:rPr lang="en-US" sz="3200" dirty="0">
                     <a:latin typeface="Cambria Math" panose="02040503050406030204" pitchFamily="18" charset="0"/>
                     <a:ea typeface="Cambria Math" panose="02040503050406030204" pitchFamily="18" charset="0"/>
                   </a:rPr>
                   <a:t>.</a:t>
                 </a:r>
-                <a:endParaRPr lang="en-US" sz="3200" dirty="0" smtClean="0">
-                  <a:latin typeface="Cambria Math" panose="02040503050406030204" pitchFamily="18" charset="0"/>
-                  <a:ea typeface="Cambria Math" panose="02040503050406030204" pitchFamily="18" charset="0"/>
-                </a:endParaRPr>
               </a:p>
             </p:txBody>
           </p:sp>
@@ -8303,10 +8800,10 @@
               <a:prstGeom prst="rect">
                 <a:avLst/>
               </a:prstGeom>
-              <a:blipFill rotWithShape="0">
+              <a:blipFill>
                 <a:blip r:embed="rId4"/>
                 <a:stretch>
-                  <a:fillRect l="-1421" r="-437" b="-6250"/>
+                  <a:fillRect l="-1421" b="-6250"/>
                 </a:stretch>
               </a:blipFill>
             </p:spPr>
@@ -8325,8 +8822,8 @@
           </p:sp>
         </mc:Fallback>
       </mc:AlternateContent>
-      <mc:AlternateContent xmlns:mc="http://schemas.openxmlformats.org/markup-compatibility/2006">
-        <mc:Choice xmlns:a14="http://schemas.microsoft.com/office/drawing/2010/main" Requires="a14">
+      <mc:AlternateContent xmlns:mc="http://schemas.openxmlformats.org/markup-compatibility/2006" xmlns:a14="http://schemas.microsoft.com/office/drawing/2010/main">
+        <mc:Choice Requires="a14">
           <p:sp>
             <p:nvSpPr>
               <p:cNvPr id="9" name="Прямоугольник 8"/>
@@ -8355,7 +8852,7 @@
                   </a:lnSpc>
                 </a:pPr>
                 <a:r>
-                  <a:rPr lang="ru-RU" sz="3200" dirty="0" smtClean="0">
+                  <a:rPr lang="ru-RU" sz="3200" dirty="0">
                     <a:latin typeface="Cambria Math" panose="02040503050406030204" pitchFamily="18" charset="0"/>
                     <a:ea typeface="Cambria Math" panose="02040503050406030204" pitchFamily="18" charset="0"/>
                   </a:rPr>
@@ -8664,14 +9161,14 @@
                   </m:oMath>
                 </a14:m>
                 <a:r>
-                  <a:rPr lang="ru-RU" sz="3200" dirty="0" smtClean="0">
+                  <a:rPr lang="ru-RU" sz="3200" dirty="0">
                     <a:latin typeface="Cambria Math" panose="02040503050406030204" pitchFamily="18" charset="0"/>
                     <a:ea typeface="Cambria Math" panose="02040503050406030204" pitchFamily="18" charset="0"/>
                   </a:rPr>
                   <a:t>, где</a:t>
                 </a:r>
                 <a:r>
-                  <a:rPr lang="en-US" sz="3200" dirty="0" smtClean="0">
+                  <a:rPr lang="en-US" sz="3200" dirty="0">
                     <a:latin typeface="Cambria Math" panose="02040503050406030204" pitchFamily="18" charset="0"/>
                     <a:ea typeface="Cambria Math" panose="02040503050406030204" pitchFamily="18" charset="0"/>
                   </a:rPr>
@@ -8814,21 +9311,17 @@
                   </m:oMath>
                 </a14:m>
                 <a:r>
-                  <a:rPr lang="en-US" sz="3200" dirty="0" smtClean="0">
+                  <a:rPr lang="en-US" sz="3200" dirty="0">
                     <a:latin typeface="Cambria Math" panose="02040503050406030204" pitchFamily="18" charset="0"/>
                     <a:ea typeface="Cambria Math" panose="02040503050406030204" pitchFamily="18" charset="0"/>
                   </a:rPr>
                   <a:t>.</a:t>
                 </a:r>
-                <a:endParaRPr lang="en-US" sz="3200" dirty="0" smtClean="0">
-                  <a:latin typeface="Cambria Math" panose="02040503050406030204" pitchFamily="18" charset="0"/>
-                  <a:ea typeface="Cambria Math" panose="02040503050406030204" pitchFamily="18" charset="0"/>
-                </a:endParaRPr>
               </a:p>
             </p:txBody>
           </p:sp>
         </mc:Choice>
-        <mc:Fallback>
+        <mc:Fallback xmlns="">
           <p:sp>
             <p:nvSpPr>
               <p:cNvPr id="9" name="Прямоугольник 8"/>
@@ -8935,15 +9428,33 @@
                                   </p:childTnLst>
                                 </p:cTn>
                               </p:par>
+                            </p:childTnLst>
+                          </p:cTn>
+                        </p:par>
+                      </p:childTnLst>
+                    </p:cTn>
+                  </p:par>
+                  <p:par>
+                    <p:cTn id="8" fill="hold">
+                      <p:stCondLst>
+                        <p:cond delay="indefinite"/>
+                      </p:stCondLst>
+                      <p:childTnLst>
+                        <p:par>
+                          <p:cTn id="9" fill="hold">
+                            <p:stCondLst>
+                              <p:cond delay="0"/>
+                            </p:stCondLst>
+                            <p:childTnLst>
                               <p:par>
-                                <p:cTn id="8" presetID="10" presetClass="entr" presetSubtype="0" fill="hold" grpId="0" nodeType="withEffect">
+                                <p:cTn id="10" presetID="10" presetClass="entr" presetSubtype="0" fill="hold" grpId="0" nodeType="clickEffect">
                                   <p:stCondLst>
                                     <p:cond delay="0"/>
                                   </p:stCondLst>
                                   <p:childTnLst>
                                     <p:set>
                                       <p:cBhvr>
-                                        <p:cTn id="9" dur="1" fill="hold">
+                                        <p:cTn id="11" dur="1" fill="hold">
                                           <p:stCondLst>
                                             <p:cond delay="0"/>
                                           </p:stCondLst>
@@ -8961,7 +9472,7 @@
                                     </p:set>
                                     <p:animEffect transition="in" filter="fade">
                                       <p:cBhvr>
-                                        <p:cTn id="10" dur="500"/>
+                                        <p:cTn id="12" dur="500"/>
                                         <p:tgtEl>
                                           <p:spTgt spid="5"/>
                                         </p:tgtEl>
@@ -8970,15 +9481,33 @@
                                   </p:childTnLst>
                                 </p:cTn>
                               </p:par>
+                            </p:childTnLst>
+                          </p:cTn>
+                        </p:par>
+                      </p:childTnLst>
+                    </p:cTn>
+                  </p:par>
+                  <p:par>
+                    <p:cTn id="13" fill="hold">
+                      <p:stCondLst>
+                        <p:cond delay="indefinite"/>
+                      </p:stCondLst>
+                      <p:childTnLst>
+                        <p:par>
+                          <p:cTn id="14" fill="hold">
+                            <p:stCondLst>
+                              <p:cond delay="0"/>
+                            </p:stCondLst>
+                            <p:childTnLst>
                               <p:par>
-                                <p:cTn id="11" presetID="10" presetClass="entr" presetSubtype="0" fill="hold" grpId="0" nodeType="withEffect">
+                                <p:cTn id="15" presetID="10" presetClass="entr" presetSubtype="0" fill="hold" grpId="0" nodeType="clickEffect">
                                   <p:stCondLst>
                                     <p:cond delay="0"/>
                                   </p:stCondLst>
                                   <p:childTnLst>
                                     <p:set>
                                       <p:cBhvr>
-                                        <p:cTn id="12" dur="1" fill="hold">
+                                        <p:cTn id="16" dur="1" fill="hold">
                                           <p:stCondLst>
                                             <p:cond delay="0"/>
                                           </p:stCondLst>
@@ -8996,7 +9525,7 @@
                                     </p:set>
                                     <p:animEffect transition="in" filter="fade">
                                       <p:cBhvr>
-                                        <p:cTn id="13" dur="500"/>
+                                        <p:cTn id="17" dur="500"/>
                                         <p:tgtEl>
                                           <p:spTgt spid="8"/>
                                         </p:tgtEl>
@@ -9005,15 +9534,33 @@
                                   </p:childTnLst>
                                 </p:cTn>
                               </p:par>
+                            </p:childTnLst>
+                          </p:cTn>
+                        </p:par>
+                      </p:childTnLst>
+                    </p:cTn>
+                  </p:par>
+                  <p:par>
+                    <p:cTn id="18" fill="hold">
+                      <p:stCondLst>
+                        <p:cond delay="indefinite"/>
+                      </p:stCondLst>
+                      <p:childTnLst>
+                        <p:par>
+                          <p:cTn id="19" fill="hold">
+                            <p:stCondLst>
+                              <p:cond delay="0"/>
+                            </p:stCondLst>
+                            <p:childTnLst>
                               <p:par>
-                                <p:cTn id="14" presetID="10" presetClass="entr" presetSubtype="0" fill="hold" grpId="0" nodeType="withEffect">
+                                <p:cTn id="20" presetID="10" presetClass="entr" presetSubtype="0" fill="hold" grpId="0" nodeType="clickEffect">
                                   <p:stCondLst>
                                     <p:cond delay="0"/>
                                   </p:stCondLst>
                                   <p:childTnLst>
                                     <p:set>
                                       <p:cBhvr>
-                                        <p:cTn id="15" dur="1" fill="hold">
+                                        <p:cTn id="21" dur="1" fill="hold">
                                           <p:stCondLst>
                                             <p:cond delay="0"/>
                                           </p:stCondLst>
@@ -9031,7 +9578,7 @@
                                     </p:set>
                                     <p:animEffect transition="in" filter="fade">
                                       <p:cBhvr>
-                                        <p:cTn id="16" dur="500"/>
+                                        <p:cTn id="22" dur="500"/>
                                         <p:tgtEl>
                                           <p:spTgt spid="9"/>
                                         </p:tgtEl>
@@ -9118,7 +9665,7 @@
           <a:p>
             <a:pPr algn="ctr"/>
             <a:r>
-              <a:rPr lang="ru-RU" sz="4000" dirty="0" smtClean="0">
+              <a:rPr lang="ru-RU" sz="4000" dirty="0">
                 <a:solidFill>
                   <a:srgbClr val="C00000"/>
                 </a:solidFill>
@@ -9137,8 +9684,8 @@
           </a:p>
         </p:txBody>
       </p:sp>
-      <mc:AlternateContent xmlns:mc="http://schemas.openxmlformats.org/markup-compatibility/2006">
-        <mc:Choice xmlns:a14="http://schemas.microsoft.com/office/drawing/2010/main" Requires="a14">
+      <mc:AlternateContent xmlns:mc="http://schemas.openxmlformats.org/markup-compatibility/2006" xmlns:a14="http://schemas.microsoft.com/office/drawing/2010/main">
+        <mc:Choice Requires="a14">
           <p:sp>
             <p:nvSpPr>
               <p:cNvPr id="15" name="Прямоугольник 14"/>
@@ -9169,7 +9716,7 @@
                   <a:buChar char="•"/>
                 </a:pPr>
                 <a:r>
-                  <a:rPr lang="ru-RU" sz="3200" dirty="0" smtClean="0">
+                  <a:rPr lang="ru-RU" sz="3200" dirty="0">
                     <a:solidFill>
                       <a:srgbClr val="FF0000"/>
                     </a:solidFill>
@@ -9179,7 +9726,7 @@
                   <a:t>Однородная/средняя</a:t>
                 </a:r>
                 <a:r>
-                  <a:rPr lang="ru-RU" sz="3200" dirty="0" smtClean="0">
+                  <a:rPr lang="ru-RU" sz="3200" dirty="0">
                     <a:latin typeface="Cambria Math" panose="02040503050406030204" pitchFamily="18" charset="0"/>
                     <a:ea typeface="Cambria Math" panose="02040503050406030204" pitchFamily="18" charset="0"/>
                   </a:rPr>
@@ -9291,7 +9838,7 @@
                   </m:oMath>
                 </a14:m>
                 <a:r>
-                  <a:rPr lang="en-US" sz="3200" dirty="0" smtClean="0">
+                  <a:rPr lang="en-US" sz="3200" dirty="0">
                     <a:latin typeface="Cambria Math" panose="02040503050406030204" pitchFamily="18" charset="0"/>
                     <a:ea typeface="Cambria Math" panose="02040503050406030204" pitchFamily="18" charset="0"/>
                   </a:rPr>
@@ -9307,14 +9854,14 @@
                   <a:buChar char="•"/>
                 </a:pPr>
                 <a:r>
-                  <a:rPr lang="ru-RU" sz="3200" dirty="0" smtClean="0">
+                  <a:rPr lang="ru-RU" sz="3200" dirty="0">
                     <a:latin typeface="Cambria Math" panose="02040503050406030204" pitchFamily="18" charset="0"/>
                     <a:ea typeface="Cambria Math" panose="02040503050406030204" pitchFamily="18" charset="0"/>
                   </a:rPr>
                   <a:t>Через </a:t>
                 </a:r>
                 <a:r>
-                  <a:rPr lang="ru-RU" sz="3200" dirty="0" smtClean="0">
+                  <a:rPr lang="ru-RU" sz="3200" dirty="0">
                     <a:solidFill>
                       <a:srgbClr val="FF0000"/>
                     </a:solidFill>
@@ -9324,13 +9871,13 @@
                   <a:t>внешние формы</a:t>
                 </a:r>
                 <a:r>
-                  <a:rPr lang="ru-RU" sz="3200" dirty="0" smtClean="0">
+                  <a:rPr lang="ru-RU" sz="3200" dirty="0">
                     <a:latin typeface="Cambria Math" panose="02040503050406030204" pitchFamily="18" charset="0"/>
                     <a:ea typeface="Cambria Math" panose="02040503050406030204" pitchFamily="18" charset="0"/>
                   </a:rPr>
                   <a:t>: </a:t>
                 </a:r>
-                <a:endParaRPr lang="en-US" sz="3200" b="0" i="1" dirty="0" smtClean="0">
+                <a:endParaRPr lang="en-US" sz="3200" b="0" i="1" dirty="0">
                   <a:latin typeface="Cambria Math" panose="02040503050406030204" pitchFamily="18" charset="0"/>
                   <a:ea typeface="Cambria Math" panose="02040503050406030204" pitchFamily="18" charset="0"/>
                 </a:endParaRPr>
@@ -9359,7 +9906,7 @@
                         <m:d>
                           <m:dPr>
                             <m:ctrlPr>
-                              <a:rPr lang="en-US" sz="3200" b="0" i="0" smtClean="0">
+                              <a:rPr lang="en-US" sz="3200" b="0" i="1" smtClean="0">
                                 <a:solidFill>
                                   <a:srgbClr val="0070C0"/>
                                 </a:solidFill>
@@ -9875,7 +10422,7 @@
                   </m:oMath>
                 </a14:m>
                 <a:r>
-                  <a:rPr lang="en-US" sz="3200" dirty="0" smtClean="0">
+                  <a:rPr lang="en-US" sz="3200" dirty="0">
                     <a:latin typeface="Cambria Math" panose="02040503050406030204" pitchFamily="18" charset="0"/>
                     <a:ea typeface="Cambria Math" panose="02040503050406030204" pitchFamily="18" charset="0"/>
                   </a:rPr>
@@ -9885,7 +10432,7 @@
             </p:txBody>
           </p:sp>
         </mc:Choice>
-        <mc:Fallback>
+        <mc:Fallback xmlns="">
           <p:sp>
             <p:nvSpPr>
               <p:cNvPr id="15" name="Прямоугольник 14"/>
@@ -9952,13 +10499,13 @@
               </a:lnSpc>
             </a:pPr>
             <a:r>
-              <a:rPr lang="ru-RU" sz="3200" dirty="0" smtClean="0">
+              <a:rPr lang="ru-RU" sz="3200" dirty="0">
                 <a:latin typeface="Cambria Math" panose="02040503050406030204" pitchFamily="18" charset="0"/>
                 <a:ea typeface="Cambria Math" panose="02040503050406030204" pitchFamily="18" charset="0"/>
               </a:rPr>
               <a:t>Что хотим от дискретизации? Как всегда, всякие свойства..</a:t>
             </a:r>
-            <a:endParaRPr lang="en-US" sz="3200" dirty="0" smtClean="0">
+            <a:endParaRPr lang="en-US" sz="3200" dirty="0">
               <a:latin typeface="Cambria Math" panose="02040503050406030204" pitchFamily="18" charset="0"/>
               <a:ea typeface="Cambria Math" panose="02040503050406030204" pitchFamily="18" charset="0"/>
             </a:endParaRPr>
@@ -9995,14 +10542,14 @@
               <a:buChar char="•"/>
             </a:pPr>
             <a:r>
-              <a:rPr lang="ru-RU" sz="3200" dirty="0" smtClean="0">
+              <a:rPr lang="ru-RU" sz="3200" dirty="0">
                 <a:latin typeface="Cambria Math" panose="02040503050406030204" pitchFamily="18" charset="0"/>
                 <a:ea typeface="Cambria Math" panose="02040503050406030204" pitchFamily="18" charset="0"/>
               </a:rPr>
               <a:t>Через </a:t>
             </a:r>
             <a:r>
-              <a:rPr lang="ru-RU" sz="3200" dirty="0" smtClean="0">
+              <a:rPr lang="ru-RU" sz="3200" dirty="0">
                 <a:solidFill>
                   <a:srgbClr val="FF0000"/>
                 </a:solidFill>
@@ -10012,13 +10559,13 @@
               <a:t>конечный набор собственных </a:t>
             </a:r>
             <a:r>
-              <a:rPr lang="ru-RU" sz="3200" dirty="0" smtClean="0">
+              <a:rPr lang="ru-RU" sz="3200" dirty="0">
                 <a:latin typeface="Cambria Math" panose="02040503050406030204" pitchFamily="18" charset="0"/>
                 <a:ea typeface="Cambria Math" panose="02040503050406030204" pitchFamily="18" charset="0"/>
               </a:rPr>
               <a:t>функций. </a:t>
             </a:r>
-            <a:endParaRPr lang="en-US" sz="3200" dirty="0" smtClean="0">
+            <a:endParaRPr lang="en-US" sz="3200" dirty="0">
               <a:latin typeface="Cambria Math" panose="02040503050406030204" pitchFamily="18" charset="0"/>
               <a:ea typeface="Cambria Math" panose="02040503050406030204" pitchFamily="18" charset="0"/>
             </a:endParaRPr>
@@ -10072,7 +10619,7 @@
                                           </p:stCondLst>
                                         </p:cTn>
                                         <p:tgtEl>
-                                          <p:spTgt spid="15"/>
+                                          <p:spTgt spid="5"/>
                                         </p:tgtEl>
                                         <p:attrNameLst>
                                           <p:attrName>style.visibility</p:attrName>
@@ -10086,28 +10633,46 @@
                                       <p:cBhvr>
                                         <p:cTn id="7" dur="500"/>
                                         <p:tgtEl>
-                                          <p:spTgt spid="15"/>
+                                          <p:spTgt spid="5"/>
                                         </p:tgtEl>
                                       </p:cBhvr>
                                     </p:animEffect>
                                   </p:childTnLst>
                                 </p:cTn>
                               </p:par>
+                            </p:childTnLst>
+                          </p:cTn>
+                        </p:par>
+                      </p:childTnLst>
+                    </p:cTn>
+                  </p:par>
+                  <p:par>
+                    <p:cTn id="8" fill="hold">
+                      <p:stCondLst>
+                        <p:cond delay="indefinite"/>
+                      </p:stCondLst>
+                      <p:childTnLst>
+                        <p:par>
+                          <p:cTn id="9" fill="hold">
+                            <p:stCondLst>
+                              <p:cond delay="0"/>
+                            </p:stCondLst>
+                            <p:childTnLst>
                               <p:par>
-                                <p:cTn id="8" presetID="10" presetClass="entr" presetSubtype="0" fill="hold" grpId="0" nodeType="withEffect">
+                                <p:cTn id="10" presetID="10" presetClass="entr" presetSubtype="0" fill="hold" grpId="0" nodeType="clickEffect">
                                   <p:stCondLst>
                                     <p:cond delay="0"/>
                                   </p:stCondLst>
                                   <p:childTnLst>
                                     <p:set>
                                       <p:cBhvr>
-                                        <p:cTn id="9" dur="1" fill="hold">
+                                        <p:cTn id="11" dur="1" fill="hold">
                                           <p:stCondLst>
                                             <p:cond delay="0"/>
                                           </p:stCondLst>
                                         </p:cTn>
                                         <p:tgtEl>
-                                          <p:spTgt spid="5"/>
+                                          <p:spTgt spid="15"/>
                                         </p:tgtEl>
                                         <p:attrNameLst>
                                           <p:attrName>style.visibility</p:attrName>
@@ -10119,24 +10684,42 @@
                                     </p:set>
                                     <p:animEffect transition="in" filter="fade">
                                       <p:cBhvr>
-                                        <p:cTn id="10" dur="500"/>
+                                        <p:cTn id="12" dur="500"/>
                                         <p:tgtEl>
-                                          <p:spTgt spid="5"/>
+                                          <p:spTgt spid="15"/>
                                         </p:tgtEl>
                                       </p:cBhvr>
                                     </p:animEffect>
                                   </p:childTnLst>
                                 </p:cTn>
                               </p:par>
+                            </p:childTnLst>
+                          </p:cTn>
+                        </p:par>
+                      </p:childTnLst>
+                    </p:cTn>
+                  </p:par>
+                  <p:par>
+                    <p:cTn id="13" fill="hold">
+                      <p:stCondLst>
+                        <p:cond delay="indefinite"/>
+                      </p:stCondLst>
+                      <p:childTnLst>
+                        <p:par>
+                          <p:cTn id="14" fill="hold">
+                            <p:stCondLst>
+                              <p:cond delay="0"/>
+                            </p:stCondLst>
+                            <p:childTnLst>
                               <p:par>
-                                <p:cTn id="11" presetID="10" presetClass="entr" presetSubtype="0" fill="hold" grpId="0" nodeType="withEffect">
+                                <p:cTn id="15" presetID="10" presetClass="entr" presetSubtype="0" fill="hold" grpId="0" nodeType="clickEffect">
                                   <p:stCondLst>
                                     <p:cond delay="0"/>
                                   </p:stCondLst>
                                   <p:childTnLst>
                                     <p:set>
                                       <p:cBhvr>
-                                        <p:cTn id="12" dur="1" fill="hold">
+                                        <p:cTn id="16" dur="1" fill="hold">
                                           <p:stCondLst>
                                             <p:cond delay="0"/>
                                           </p:stCondLst>
@@ -10154,7 +10737,7 @@
                                     </p:set>
                                     <p:animEffect transition="in" filter="fade">
                                       <p:cBhvr>
-                                        <p:cTn id="13" dur="500"/>
+                                        <p:cTn id="17" dur="500"/>
                                         <p:tgtEl>
                                           <p:spTgt spid="8"/>
                                         </p:tgtEl>
@@ -10277,7 +10860,7 @@
           <a:p>
             <a:pPr algn="ctr"/>
             <a:r>
-              <a:rPr lang="ru-RU" sz="4000" dirty="0" smtClean="0">
+              <a:rPr lang="ru-RU" sz="4000" dirty="0">
                 <a:solidFill>
                   <a:srgbClr val="C00000"/>
                 </a:solidFill>
@@ -10296,8 +10879,8 @@
           </a:p>
         </p:txBody>
       </p:sp>
-      <mc:AlternateContent xmlns:mc="http://schemas.openxmlformats.org/markup-compatibility/2006">
-        <mc:Choice xmlns:a14="http://schemas.microsoft.com/office/drawing/2010/main" Requires="a14">
+      <mc:AlternateContent xmlns:mc="http://schemas.openxmlformats.org/markup-compatibility/2006" xmlns:a14="http://schemas.microsoft.com/office/drawing/2010/main">
+        <mc:Choice Requires="a14">
           <p:sp>
             <p:nvSpPr>
               <p:cNvPr id="4" name="Прямоугольник 3"/>
@@ -10326,7 +10909,7 @@
                   </a:lnSpc>
                 </a:pPr>
                 <a:r>
-                  <a:rPr lang="ru-RU" sz="3200" dirty="0" smtClean="0">
+                  <a:rPr lang="ru-RU" sz="3200" dirty="0">
                     <a:latin typeface="Cambria Math" panose="02040503050406030204" pitchFamily="18" charset="0"/>
                     <a:ea typeface="Cambria Math" panose="02040503050406030204" pitchFamily="18" charset="0"/>
                   </a:rPr>
@@ -10554,21 +11137,17 @@
                   </m:oMath>
                 </a14:m>
                 <a:r>
-                  <a:rPr lang="en-US" sz="3200" dirty="0" smtClean="0">
+                  <a:rPr lang="en-US" sz="3200" dirty="0">
                     <a:latin typeface="Cambria Math" panose="02040503050406030204" pitchFamily="18" charset="0"/>
                     <a:ea typeface="Cambria Math" panose="02040503050406030204" pitchFamily="18" charset="0"/>
                   </a:rPr>
                   <a:t>.</a:t>
                 </a:r>
-                <a:endParaRPr lang="en-US" sz="3200" dirty="0" smtClean="0">
-                  <a:latin typeface="Cambria Math" panose="02040503050406030204" pitchFamily="18" charset="0"/>
-                  <a:ea typeface="Cambria Math" panose="02040503050406030204" pitchFamily="18" charset="0"/>
-                </a:endParaRPr>
               </a:p>
             </p:txBody>
           </p:sp>
         </mc:Choice>
-        <mc:Fallback>
+        <mc:Fallback xmlns="">
           <p:sp>
             <p:nvSpPr>
               <p:cNvPr id="4" name="Прямоугольник 3"/>
@@ -10635,13 +11214,13 @@
               </a:lnSpc>
             </a:pPr>
             <a:r>
-              <a:rPr lang="ru-RU" sz="3200" dirty="0" smtClean="0">
+              <a:rPr lang="ru-RU" sz="3200" dirty="0">
                 <a:latin typeface="Cambria Math" panose="02040503050406030204" pitchFamily="18" charset="0"/>
                 <a:ea typeface="Cambria Math" panose="02040503050406030204" pitchFamily="18" charset="0"/>
               </a:rPr>
               <a:t>Применяем Лапласиан к вершинам сетки:</a:t>
             </a:r>
-            <a:endParaRPr lang="en-US" sz="3200" dirty="0" smtClean="0">
+            <a:endParaRPr lang="en-US" sz="3200" dirty="0">
               <a:latin typeface="Cambria Math" panose="02040503050406030204" pitchFamily="18" charset="0"/>
               <a:ea typeface="Cambria Math" panose="02040503050406030204" pitchFamily="18" charset="0"/>
             </a:endParaRPr>
@@ -10827,7 +11406,7 @@
           <a:p>
             <a:pPr algn="ctr"/>
             <a:r>
-              <a:rPr lang="ru-RU" sz="4000" dirty="0" smtClean="0">
+              <a:rPr lang="ru-RU" sz="4000" dirty="0">
                 <a:solidFill>
                   <a:srgbClr val="C00000"/>
                 </a:solidFill>
@@ -10874,14 +11453,14 @@
               </a:lnSpc>
             </a:pPr>
             <a:r>
-              <a:rPr lang="ru-RU" sz="3200" dirty="0" smtClean="0">
+              <a:rPr lang="ru-RU" sz="3200" dirty="0">
                 <a:latin typeface="Cambria Math" panose="02040503050406030204" pitchFamily="18" charset="0"/>
                 <a:ea typeface="Cambria Math" panose="02040503050406030204" pitchFamily="18" charset="0"/>
               </a:rPr>
               <a:t>Для более сложных деформаций – </a:t>
             </a:r>
             <a:r>
-              <a:rPr lang="ru-RU" sz="3200" dirty="0" smtClean="0">
+              <a:rPr lang="ru-RU" sz="3200" dirty="0">
                 <a:solidFill>
                   <a:srgbClr val="FF0000"/>
                 </a:solidFill>
@@ -10891,14 +11470,14 @@
               <a:t>метод якорей</a:t>
             </a:r>
             <a:r>
-              <a:rPr lang="ru-RU" sz="3200" dirty="0" smtClean="0">
+              <a:rPr lang="ru-RU" sz="3200" dirty="0">
                 <a:latin typeface="Cambria Math" panose="02040503050406030204" pitchFamily="18" charset="0"/>
                 <a:ea typeface="Cambria Math" panose="02040503050406030204" pitchFamily="18" charset="0"/>
               </a:rPr>
               <a:t>. Якоря – это </a:t>
             </a:r>
             <a:r>
-              <a:rPr lang="ru-RU" sz="3200" dirty="0" smtClean="0">
+              <a:rPr lang="ru-RU" sz="3200" dirty="0">
                 <a:solidFill>
                   <a:srgbClr val="FF0000"/>
                 </a:solidFill>
@@ -10908,14 +11487,14 @@
               <a:t>опорные</a:t>
             </a:r>
             <a:r>
-              <a:rPr lang="ru-RU" sz="3200" dirty="0" smtClean="0">
+              <a:rPr lang="ru-RU" sz="3200" dirty="0">
                 <a:latin typeface="Cambria Math" panose="02040503050406030204" pitchFamily="18" charset="0"/>
                 <a:ea typeface="Cambria Math" panose="02040503050406030204" pitchFamily="18" charset="0"/>
               </a:rPr>
               <a:t> точки, </a:t>
             </a:r>
             <a:r>
-              <a:rPr lang="ru-RU" sz="3200" dirty="0" smtClean="0">
+              <a:rPr lang="ru-RU" sz="3200" dirty="0">
                 <a:solidFill>
                   <a:srgbClr val="FF0000"/>
                 </a:solidFill>
@@ -10925,14 +11504,14 @@
               <a:t>координаты</a:t>
             </a:r>
             <a:r>
-              <a:rPr lang="ru-RU" sz="3200" dirty="0" smtClean="0">
+              <a:rPr lang="ru-RU" sz="3200" dirty="0">
                 <a:latin typeface="Cambria Math" panose="02040503050406030204" pitchFamily="18" charset="0"/>
                 <a:ea typeface="Cambria Math" panose="02040503050406030204" pitchFamily="18" charset="0"/>
               </a:rPr>
               <a:t> которых </a:t>
             </a:r>
             <a:r>
-              <a:rPr lang="ru-RU" sz="3200" dirty="0" smtClean="0">
+              <a:rPr lang="ru-RU" sz="3200" dirty="0">
                 <a:solidFill>
                   <a:srgbClr val="FF0000"/>
                 </a:solidFill>
@@ -10942,14 +11521,14 @@
               <a:t>зафиксированы</a:t>
             </a:r>
             <a:r>
-              <a:rPr lang="ru-RU" sz="3200" dirty="0" smtClean="0">
+              <a:rPr lang="ru-RU" sz="3200" dirty="0">
                 <a:latin typeface="Cambria Math" panose="02040503050406030204" pitchFamily="18" charset="0"/>
                 <a:ea typeface="Cambria Math" panose="02040503050406030204" pitchFamily="18" charset="0"/>
               </a:rPr>
               <a:t>. Остальные меняются так, чтобы деформация была </a:t>
             </a:r>
             <a:r>
-              <a:rPr lang="ru-RU" sz="3200" dirty="0" smtClean="0">
+              <a:rPr lang="ru-RU" sz="3200" dirty="0">
                 <a:solidFill>
                   <a:srgbClr val="FF0000"/>
                 </a:solidFill>
@@ -10958,7 +11537,7 @@
               </a:rPr>
               <a:t>«гладкой». </a:t>
             </a:r>
-            <a:endParaRPr lang="en-US" sz="3200" dirty="0" smtClean="0">
+            <a:endParaRPr lang="en-US" sz="3200" dirty="0">
               <a:solidFill>
                 <a:srgbClr val="FF0000"/>
               </a:solidFill>
@@ -10968,8 +11547,8 @@
           </a:p>
         </p:txBody>
       </p:sp>
-      <mc:AlternateContent xmlns:mc="http://schemas.openxmlformats.org/markup-compatibility/2006">
-        <mc:Choice xmlns:a14="http://schemas.microsoft.com/office/drawing/2010/main" Requires="a14">
+      <mc:AlternateContent xmlns:mc="http://schemas.openxmlformats.org/markup-compatibility/2006" xmlns:a14="http://schemas.microsoft.com/office/drawing/2010/main">
+        <mc:Choice Requires="a14">
           <p:sp>
             <p:nvSpPr>
               <p:cNvPr id="6" name="Прямоугольник 5"/>
@@ -10998,7 +11577,7 @@
                   </a:lnSpc>
                 </a:pPr>
                 <a:r>
-                  <a:rPr lang="ru-RU" sz="3200" dirty="0" smtClean="0">
+                  <a:rPr lang="ru-RU" sz="3200" dirty="0">
                     <a:latin typeface="Cambria Math" panose="02040503050406030204" pitchFamily="18" charset="0"/>
                     <a:ea typeface="Cambria Math" panose="02040503050406030204" pitchFamily="18" charset="0"/>
                   </a:rPr>
@@ -11098,7 +11677,7 @@
                   </m:oMath>
                 </a14:m>
                 <a:r>
-                  <a:rPr lang="en-US" sz="3200" dirty="0" smtClean="0">
+                  <a:rPr lang="en-US" sz="3200" dirty="0">
                     <a:latin typeface="Cambria Math" panose="02040503050406030204" pitchFamily="18" charset="0"/>
                     <a:ea typeface="Cambria Math" panose="02040503050406030204" pitchFamily="18" charset="0"/>
                   </a:rPr>
@@ -11112,21 +11691,21 @@
                   <a:t>–</a:t>
                 </a:r>
                 <a:r>
-                  <a:rPr lang="en-US" sz="3200" dirty="0" smtClean="0">
+                  <a:rPr lang="en-US" sz="3200" dirty="0">
                     <a:latin typeface="Cambria Math" panose="02040503050406030204" pitchFamily="18" charset="0"/>
                     <a:ea typeface="Cambria Math" panose="02040503050406030204" pitchFamily="18" charset="0"/>
                   </a:rPr>
                   <a:t> </a:t>
                 </a:r>
                 <a:r>
-                  <a:rPr lang="ru-RU" sz="3200" dirty="0" smtClean="0">
+                  <a:rPr lang="ru-RU" sz="3200" dirty="0">
                     <a:latin typeface="Cambria Math" panose="02040503050406030204" pitchFamily="18" charset="0"/>
                     <a:ea typeface="Cambria Math" panose="02040503050406030204" pitchFamily="18" charset="0"/>
                   </a:rPr>
                   <a:t>матрица векторов вершин сетки в</a:t>
                 </a:r>
                 <a:r>
-                  <a:rPr lang="en-US" sz="3200" dirty="0" smtClean="0">
+                  <a:rPr lang="en-US" sz="3200" dirty="0">
                     <a:latin typeface="Cambria Math" panose="02040503050406030204" pitchFamily="18" charset="0"/>
                     <a:ea typeface="Cambria Math" panose="02040503050406030204" pitchFamily="18" charset="0"/>
                   </a:rPr>
@@ -11174,25 +11753,18 @@
                   </m:oMath>
                 </a14:m>
                 <a:r>
-                  <a:rPr lang="en-US" sz="3200" dirty="0" smtClean="0">
+                  <a:rPr lang="en-US" sz="3200" dirty="0">
                     <a:latin typeface="Cambria Math" panose="02040503050406030204" pitchFamily="18" charset="0"/>
                     <a:ea typeface="Cambria Math" panose="02040503050406030204" pitchFamily="18" charset="0"/>
                   </a:rPr>
                   <a:t>, </a:t>
                 </a:r>
                 <a:r>
-                  <a:rPr lang="ru-RU" sz="3200" dirty="0" smtClean="0">
+                  <a:rPr lang="ru-RU" sz="3200" dirty="0">
                     <a:latin typeface="Cambria Math" panose="02040503050406030204" pitchFamily="18" charset="0"/>
                     <a:ea typeface="Cambria Math" panose="02040503050406030204" pitchFamily="18" charset="0"/>
                   </a:rPr>
-                  <a:t> </a:t>
-                </a:r>
-                <a:r>
-                  <a:rPr lang="ru-RU" sz="3200" dirty="0" smtClean="0">
-                    <a:latin typeface="Cambria Math" panose="02040503050406030204" pitchFamily="18" charset="0"/>
-                    <a:ea typeface="Cambria Math" panose="02040503050406030204" pitchFamily="18" charset="0"/>
-                  </a:rPr>
-                  <a:t>а </a:t>
+                  <a:t> а </a:t>
                 </a:r>
                 <a14:m>
                   <m:oMath xmlns:m="http://schemas.openxmlformats.org/officeDocument/2006/math">
@@ -11206,14 +11778,14 @@
                   </m:oMath>
                 </a14:m>
                 <a:r>
-                  <a:rPr lang="en-US" sz="3200" dirty="0" smtClean="0">
+                  <a:rPr lang="en-US" sz="3200" dirty="0">
                     <a:latin typeface="Cambria Math" panose="02040503050406030204" pitchFamily="18" charset="0"/>
                     <a:ea typeface="Cambria Math" panose="02040503050406030204" pitchFamily="18" charset="0"/>
                   </a:rPr>
                   <a:t> – </a:t>
                 </a:r>
                 <a:r>
-                  <a:rPr lang="ru-RU" sz="3200" dirty="0" smtClean="0">
+                  <a:rPr lang="ru-RU" sz="3200" dirty="0">
                     <a:latin typeface="Cambria Math" panose="02040503050406030204" pitchFamily="18" charset="0"/>
                     <a:ea typeface="Cambria Math" panose="02040503050406030204" pitchFamily="18" charset="0"/>
                   </a:rPr>
@@ -11259,14 +11831,14 @@
                   </m:oMath>
                 </a14:m>
                 <a:r>
-                  <a:rPr lang="en-US" sz="3200" dirty="0" smtClean="0">
+                  <a:rPr lang="en-US" sz="3200" dirty="0">
                     <a:latin typeface="Cambria Math" panose="02040503050406030204" pitchFamily="18" charset="0"/>
                     <a:ea typeface="Cambria Math" panose="02040503050406030204" pitchFamily="18" charset="0"/>
                   </a:rPr>
                   <a:t> </a:t>
                 </a:r>
                 <a:r>
-                  <a:rPr lang="ru-RU" sz="3200" dirty="0" smtClean="0">
+                  <a:rPr lang="ru-RU" sz="3200" dirty="0">
                     <a:latin typeface="Cambria Math" panose="02040503050406030204" pitchFamily="18" charset="0"/>
                     <a:ea typeface="Cambria Math" panose="02040503050406030204" pitchFamily="18" charset="0"/>
                   </a:rPr>
@@ -11298,7 +11870,7 @@
                   </m:oMath>
                 </a14:m>
                 <a:r>
-                  <a:rPr lang="en-US" sz="3200" dirty="0" smtClean="0">
+                  <a:rPr lang="en-US" sz="3200" dirty="0">
                     <a:latin typeface="Cambria Math" panose="02040503050406030204" pitchFamily="18" charset="0"/>
                     <a:ea typeface="Cambria Math" panose="02040503050406030204" pitchFamily="18" charset="0"/>
                   </a:rPr>
@@ -11372,14 +11944,14 @@
                   </m:oMath>
                 </a14:m>
                 <a:r>
-                  <a:rPr lang="en-US" sz="3200" dirty="0" smtClean="0">
+                  <a:rPr lang="en-US" sz="3200" dirty="0">
                     <a:latin typeface="Cambria Math" panose="02040503050406030204" pitchFamily="18" charset="0"/>
                     <a:ea typeface="Cambria Math" panose="02040503050406030204" pitchFamily="18" charset="0"/>
                   </a:rPr>
                   <a:t>, </a:t>
                 </a:r>
                 <a:r>
-                  <a:rPr lang="ru-RU" sz="3200" dirty="0" smtClean="0">
+                  <a:rPr lang="ru-RU" sz="3200" dirty="0">
                     <a:latin typeface="Cambria Math" panose="02040503050406030204" pitchFamily="18" charset="0"/>
                     <a:ea typeface="Cambria Math" panose="02040503050406030204" pitchFamily="18" charset="0"/>
                   </a:rPr>
@@ -11437,14 +12009,14 @@
                   </m:oMath>
                 </a14:m>
                 <a:r>
-                  <a:rPr lang="en-US" sz="3200" dirty="0" smtClean="0">
+                  <a:rPr lang="en-US" sz="3200" dirty="0">
                     <a:latin typeface="Cambria Math" panose="02040503050406030204" pitchFamily="18" charset="0"/>
                     <a:ea typeface="Cambria Math" panose="02040503050406030204" pitchFamily="18" charset="0"/>
                   </a:rPr>
                   <a:t>, </a:t>
                 </a:r>
                 <a:r>
-                  <a:rPr lang="ru-RU" sz="3200" dirty="0" smtClean="0">
+                  <a:rPr lang="ru-RU" sz="3200" dirty="0">
                     <a:latin typeface="Cambria Math" panose="02040503050406030204" pitchFamily="18" charset="0"/>
                     <a:ea typeface="Cambria Math" panose="02040503050406030204" pitchFamily="18" charset="0"/>
                   </a:rPr>
@@ -11490,20 +12062,20 @@
                   </m:oMath>
                 </a14:m>
                 <a:r>
-                  <a:rPr lang="en-US" sz="3200" dirty="0" smtClean="0">
+                  <a:rPr lang="en-US" sz="3200" dirty="0">
                     <a:latin typeface="Cambria Math" panose="02040503050406030204" pitchFamily="18" charset="0"/>
                     <a:ea typeface="Cambria Math" panose="02040503050406030204" pitchFamily="18" charset="0"/>
                   </a:rPr>
                   <a:t> </a:t>
                 </a:r>
                 <a:r>
-                  <a:rPr lang="ru-RU" sz="3200" dirty="0" smtClean="0">
+                  <a:rPr lang="ru-RU" sz="3200" dirty="0">
                     <a:latin typeface="Cambria Math" panose="02040503050406030204" pitchFamily="18" charset="0"/>
                     <a:ea typeface="Cambria Math" panose="02040503050406030204" pitchFamily="18" charset="0"/>
                   </a:rPr>
                   <a:t>иначе. </a:t>
                 </a:r>
-                <a:endParaRPr lang="en-US" sz="3200" dirty="0" smtClean="0">
+                <a:endParaRPr lang="en-US" sz="3200" dirty="0">
                   <a:solidFill>
                     <a:srgbClr val="FF0000"/>
                   </a:solidFill>
@@ -11514,7 +12086,7 @@
             </p:txBody>
           </p:sp>
         </mc:Choice>
-        <mc:Fallback>
+        <mc:Fallback xmlns="">
           <p:sp>
             <p:nvSpPr>
               <p:cNvPr id="6" name="Прямоугольник 5"/>
@@ -11621,15 +12193,33 @@
                                   </p:childTnLst>
                                 </p:cTn>
                               </p:par>
+                            </p:childTnLst>
+                          </p:cTn>
+                        </p:par>
+                      </p:childTnLst>
+                    </p:cTn>
+                  </p:par>
+                  <p:par>
+                    <p:cTn id="8" fill="hold">
+                      <p:stCondLst>
+                        <p:cond delay="indefinite"/>
+                      </p:stCondLst>
+                      <p:childTnLst>
+                        <p:par>
+                          <p:cTn id="9" fill="hold">
+                            <p:stCondLst>
+                              <p:cond delay="0"/>
+                            </p:stCondLst>
+                            <p:childTnLst>
                               <p:par>
-                                <p:cTn id="8" presetID="10" presetClass="entr" presetSubtype="0" fill="hold" grpId="0" nodeType="withEffect">
+                                <p:cTn id="10" presetID="10" presetClass="entr" presetSubtype="0" fill="hold" grpId="0" nodeType="clickEffect">
                                   <p:stCondLst>
                                     <p:cond delay="0"/>
                                   </p:stCondLst>
                                   <p:childTnLst>
                                     <p:set>
                                       <p:cBhvr>
-                                        <p:cTn id="9" dur="1" fill="hold">
+                                        <p:cTn id="11" dur="1" fill="hold">
                                           <p:stCondLst>
                                             <p:cond delay="0"/>
                                           </p:stCondLst>
@@ -11647,7 +12237,7 @@
                                     </p:set>
                                     <p:animEffect transition="in" filter="fade">
                                       <p:cBhvr>
-                                        <p:cTn id="10" dur="500"/>
+                                        <p:cTn id="12" dur="500"/>
                                         <p:tgtEl>
                                           <p:spTgt spid="6"/>
                                         </p:tgtEl>
@@ -11732,7 +12322,7 @@
           <a:p>
             <a:pPr algn="ctr"/>
             <a:r>
-              <a:rPr lang="ru-RU" sz="4000" dirty="0" smtClean="0">
+              <a:rPr lang="ru-RU" sz="4000" dirty="0">
                 <a:solidFill>
                   <a:srgbClr val="C00000"/>
                 </a:solidFill>
@@ -11751,8 +12341,8 @@
           </a:p>
         </p:txBody>
       </p:sp>
-      <mc:AlternateContent xmlns:mc="http://schemas.openxmlformats.org/markup-compatibility/2006">
-        <mc:Choice xmlns:a14="http://schemas.microsoft.com/office/drawing/2010/main" Requires="a14">
+      <mc:AlternateContent xmlns:mc="http://schemas.openxmlformats.org/markup-compatibility/2006" xmlns:a14="http://schemas.microsoft.com/office/drawing/2010/main">
+        <mc:Choice Requires="a14">
           <p:sp>
             <p:nvSpPr>
               <p:cNvPr id="4" name="Прямоугольник 3"/>
@@ -11781,14 +12371,14 @@
                   </a:lnSpc>
                 </a:pPr>
                 <a:r>
-                  <a:rPr lang="ru-RU" sz="3200" dirty="0" smtClean="0">
+                  <a:rPr lang="ru-RU" sz="3200" dirty="0">
                     <a:latin typeface="Cambria Math" panose="02040503050406030204" pitchFamily="18" charset="0"/>
                     <a:ea typeface="Cambria Math" panose="02040503050406030204" pitchFamily="18" charset="0"/>
                   </a:rPr>
                   <a:t>Таким образом</a:t>
                 </a:r>
                 <a:r>
-                  <a:rPr lang="en-US" sz="3200" dirty="0" smtClean="0">
+                  <a:rPr lang="en-US" sz="3200" dirty="0">
                     <a:latin typeface="Cambria Math" panose="02040503050406030204" pitchFamily="18" charset="0"/>
                     <a:ea typeface="Cambria Math" panose="02040503050406030204" pitchFamily="18" charset="0"/>
                   </a:rPr>
@@ -11900,20 +12490,20 @@
                   </m:oMath>
                 </a14:m>
                 <a:r>
-                  <a:rPr lang="en-US" sz="3200" dirty="0" smtClean="0">
+                  <a:rPr lang="en-US" sz="3200" dirty="0">
                     <a:latin typeface="Cambria Math" panose="02040503050406030204" pitchFamily="18" charset="0"/>
                     <a:ea typeface="Cambria Math" panose="02040503050406030204" pitchFamily="18" charset="0"/>
                   </a:rPr>
                   <a:t> – </a:t>
                 </a:r>
                 <a:r>
-                  <a:rPr lang="ru-RU" sz="3200" dirty="0" smtClean="0">
+                  <a:rPr lang="ru-RU" sz="3200" dirty="0">
                     <a:latin typeface="Cambria Math" panose="02040503050406030204" pitchFamily="18" charset="0"/>
                     <a:ea typeface="Cambria Math" panose="02040503050406030204" pitchFamily="18" charset="0"/>
                   </a:rPr>
                   <a:t>матрица значений Лапласиана на вершинах сетки. </a:t>
                 </a:r>
-                <a:endParaRPr lang="en-US" sz="3200" dirty="0" smtClean="0">
+                <a:endParaRPr lang="en-US" sz="3200" dirty="0">
                   <a:solidFill>
                     <a:srgbClr val="FF0000"/>
                   </a:solidFill>
@@ -11924,7 +12514,7 @@
             </p:txBody>
           </p:sp>
         </mc:Choice>
-        <mc:Fallback>
+        <mc:Fallback xmlns="">
           <p:sp>
             <p:nvSpPr>
               <p:cNvPr id="4" name="Прямоугольник 3"/>
@@ -11977,8 +12567,8 @@
             <a:chExt cx="3158597" cy="3671062"/>
           </a:xfrm>
         </p:grpSpPr>
-        <mc:AlternateContent xmlns:mc="http://schemas.openxmlformats.org/markup-compatibility/2006">
-          <mc:Choice xmlns:a14="http://schemas.microsoft.com/office/drawing/2010/main" Requires="a14">
+        <mc:AlternateContent xmlns:mc="http://schemas.openxmlformats.org/markup-compatibility/2006" xmlns:a14="http://schemas.microsoft.com/office/drawing/2010/main">
+          <mc:Choice Requires="a14">
             <p:sp>
               <p:nvSpPr>
                 <p:cNvPr id="2" name="Прямоугольник 1"/>
@@ -12058,7 +12648,7 @@
               </p:txBody>
             </p:sp>
           </mc:Choice>
-          <mc:Fallback>
+          <mc:Fallback xmlns="">
             <p:sp>
               <p:nvSpPr>
                 <p:cNvPr id="2" name="Прямоугольник 1"/>
@@ -12097,8 +12687,8 @@
             </p:sp>
           </mc:Fallback>
         </mc:AlternateContent>
-        <mc:AlternateContent xmlns:mc="http://schemas.openxmlformats.org/markup-compatibility/2006">
-          <mc:Choice xmlns:a14="http://schemas.microsoft.com/office/drawing/2010/main" Requires="a14">
+        <mc:AlternateContent xmlns:mc="http://schemas.openxmlformats.org/markup-compatibility/2006" xmlns:a14="http://schemas.microsoft.com/office/drawing/2010/main">
+          <mc:Choice Requires="a14">
             <p:sp>
               <p:nvSpPr>
                 <p:cNvPr id="7" name="Прямоугольник 6"/>
@@ -12178,7 +12768,7 @@
               </p:txBody>
             </p:sp>
           </mc:Choice>
-          <mc:Fallback>
+          <mc:Fallback xmlns="">
             <p:sp>
               <p:nvSpPr>
                 <p:cNvPr id="7" name="Прямоугольник 6"/>
@@ -12217,8 +12807,8 @@
             </p:sp>
           </mc:Fallback>
         </mc:AlternateContent>
-        <mc:AlternateContent xmlns:mc="http://schemas.openxmlformats.org/markup-compatibility/2006">
-          <mc:Choice xmlns:a14="http://schemas.microsoft.com/office/drawing/2010/main" Requires="a14">
+        <mc:AlternateContent xmlns:mc="http://schemas.openxmlformats.org/markup-compatibility/2006" xmlns:a14="http://schemas.microsoft.com/office/drawing/2010/main">
+          <mc:Choice Requires="a14">
             <p:sp>
               <p:nvSpPr>
                 <p:cNvPr id="8" name="Прямоугольник 7"/>
@@ -12298,7 +12888,7 @@
               </p:txBody>
             </p:sp>
           </mc:Choice>
-          <mc:Fallback>
+          <mc:Fallback xmlns="">
             <p:sp>
               <p:nvSpPr>
                 <p:cNvPr id="8" name="Прямоугольник 7"/>
@@ -12337,8 +12927,8 @@
             </p:sp>
           </mc:Fallback>
         </mc:AlternateContent>
-        <mc:AlternateContent xmlns:mc="http://schemas.openxmlformats.org/markup-compatibility/2006">
-          <mc:Choice xmlns:a14="http://schemas.microsoft.com/office/drawing/2010/main" Requires="a14">
+        <mc:AlternateContent xmlns:mc="http://schemas.openxmlformats.org/markup-compatibility/2006" xmlns:a14="http://schemas.microsoft.com/office/drawing/2010/main">
+          <mc:Choice Requires="a14">
             <p:sp>
               <p:nvSpPr>
                 <p:cNvPr id="5" name="Прямоугольник 4"/>
@@ -12418,12 +13008,12 @@
                       </m:oMath>
                     </m:oMathPara>
                   </a14:m>
-                  <a:endParaRPr lang="en-US" sz="2800" b="1" dirty="0" smtClean="0"/>
+                  <a:endParaRPr lang="en-US" sz="2800" b="1" dirty="0"/>
                 </a:p>
               </p:txBody>
             </p:sp>
           </mc:Choice>
-          <mc:Fallback>
+          <mc:Fallback xmlns="">
             <p:sp>
               <p:nvSpPr>
                 <p:cNvPr id="5" name="Прямоугольник 4"/>
@@ -12462,8 +13052,8 @@
             </p:sp>
           </mc:Fallback>
         </mc:AlternateContent>
-        <mc:AlternateContent xmlns:mc="http://schemas.openxmlformats.org/markup-compatibility/2006">
-          <mc:Choice xmlns:a14="http://schemas.microsoft.com/office/drawing/2010/main" Requires="a14">
+        <mc:AlternateContent xmlns:mc="http://schemas.openxmlformats.org/markup-compatibility/2006" xmlns:a14="http://schemas.microsoft.com/office/drawing/2010/main">
+          <mc:Choice Requires="a14">
             <p:sp>
               <p:nvSpPr>
                 <p:cNvPr id="9" name="Прямоугольник 8"/>
@@ -12543,12 +13133,12 @@
                       </m:oMath>
                     </m:oMathPara>
                   </a14:m>
-                  <a:endParaRPr lang="en-US" sz="2800" b="1" dirty="0" smtClean="0"/>
+                  <a:endParaRPr lang="en-US" sz="2800" b="1" dirty="0"/>
                 </a:p>
               </p:txBody>
             </p:sp>
           </mc:Choice>
-          <mc:Fallback>
+          <mc:Fallback xmlns="">
             <p:sp>
               <p:nvSpPr>
                 <p:cNvPr id="9" name="Прямоугольник 8"/>
@@ -12587,8 +13177,8 @@
             </p:sp>
           </mc:Fallback>
         </mc:AlternateContent>
-        <mc:AlternateContent xmlns:mc="http://schemas.openxmlformats.org/markup-compatibility/2006">
-          <mc:Choice xmlns:a14="http://schemas.microsoft.com/office/drawing/2010/main" Requires="a14">
+        <mc:AlternateContent xmlns:mc="http://schemas.openxmlformats.org/markup-compatibility/2006" xmlns:a14="http://schemas.microsoft.com/office/drawing/2010/main">
+          <mc:Choice Requires="a14">
             <p:sp>
               <p:nvSpPr>
                 <p:cNvPr id="10" name="Прямоугольник 9"/>
@@ -12668,12 +13258,12 @@
                       </m:oMath>
                     </m:oMathPara>
                   </a14:m>
-                  <a:endParaRPr lang="en-US" sz="2800" b="1" dirty="0" smtClean="0"/>
+                  <a:endParaRPr lang="en-US" sz="2800" b="1" dirty="0"/>
                 </a:p>
               </p:txBody>
             </p:sp>
           </mc:Choice>
-          <mc:Fallback>
+          <mc:Fallback xmlns="">
             <p:sp>
               <p:nvSpPr>
                 <p:cNvPr id="10" name="Прямоугольник 9"/>
@@ -12712,8 +13302,8 @@
             </p:sp>
           </mc:Fallback>
         </mc:AlternateContent>
-        <mc:AlternateContent xmlns:mc="http://schemas.openxmlformats.org/markup-compatibility/2006">
-          <mc:Choice xmlns:a14="http://schemas.microsoft.com/office/drawing/2010/main" Requires="a14">
+        <mc:AlternateContent xmlns:mc="http://schemas.openxmlformats.org/markup-compatibility/2006" xmlns:a14="http://schemas.microsoft.com/office/drawing/2010/main">
+          <mc:Choice Requires="a14">
             <p:sp>
               <p:nvSpPr>
                 <p:cNvPr id="11" name="Прямоугольник 10"/>
@@ -12796,12 +13386,12 @@
                       </m:oMath>
                     </m:oMathPara>
                   </a14:m>
-                  <a:endParaRPr lang="en-US" sz="2800" b="1" dirty="0" smtClean="0"/>
+                  <a:endParaRPr lang="en-US" sz="2800" b="1" dirty="0"/>
                 </a:p>
               </p:txBody>
             </p:sp>
           </mc:Choice>
-          <mc:Fallback>
+          <mc:Fallback xmlns="">
             <p:sp>
               <p:nvSpPr>
                 <p:cNvPr id="11" name="Прямоугольник 10"/>
@@ -12840,8 +13430,8 @@
             </p:sp>
           </mc:Fallback>
         </mc:AlternateContent>
-        <mc:AlternateContent xmlns:mc="http://schemas.openxmlformats.org/markup-compatibility/2006">
-          <mc:Choice xmlns:a14="http://schemas.microsoft.com/office/drawing/2010/main" Requires="a14">
+        <mc:AlternateContent xmlns:mc="http://schemas.openxmlformats.org/markup-compatibility/2006" xmlns:a14="http://schemas.microsoft.com/office/drawing/2010/main">
+          <mc:Choice Requires="a14">
             <p:sp>
               <p:nvSpPr>
                 <p:cNvPr id="12" name="Прямоугольник 11"/>
@@ -12924,12 +13514,12 @@
                       </m:oMath>
                     </m:oMathPara>
                   </a14:m>
-                  <a:endParaRPr lang="en-US" sz="2800" b="1" dirty="0" smtClean="0"/>
+                  <a:endParaRPr lang="en-US" sz="2800" b="1" dirty="0"/>
                 </a:p>
               </p:txBody>
             </p:sp>
           </mc:Choice>
-          <mc:Fallback>
+          <mc:Fallback xmlns="">
             <p:sp>
               <p:nvSpPr>
                 <p:cNvPr id="12" name="Прямоугольник 11"/>
@@ -12968,8 +13558,8 @@
             </p:sp>
           </mc:Fallback>
         </mc:AlternateContent>
-        <mc:AlternateContent xmlns:mc="http://schemas.openxmlformats.org/markup-compatibility/2006">
-          <mc:Choice xmlns:a14="http://schemas.microsoft.com/office/drawing/2010/main" Requires="a14">
+        <mc:AlternateContent xmlns:mc="http://schemas.openxmlformats.org/markup-compatibility/2006" xmlns:a14="http://schemas.microsoft.com/office/drawing/2010/main">
+          <mc:Choice Requires="a14">
             <p:sp>
               <p:nvSpPr>
                 <p:cNvPr id="13" name="Прямоугольник 12"/>
@@ -13052,12 +13642,12 @@
                       </m:oMath>
                     </m:oMathPara>
                   </a14:m>
-                  <a:endParaRPr lang="en-US" sz="2800" b="1" dirty="0" smtClean="0"/>
+                  <a:endParaRPr lang="en-US" sz="2800" b="1" dirty="0"/>
                 </a:p>
               </p:txBody>
             </p:sp>
           </mc:Choice>
-          <mc:Fallback>
+          <mc:Fallback xmlns="">
             <p:sp>
               <p:nvSpPr>
                 <p:cNvPr id="13" name="Прямоугольник 12"/>
@@ -13096,8 +13686,8 @@
             </p:sp>
           </mc:Fallback>
         </mc:AlternateContent>
-        <mc:AlternateContent xmlns:mc="http://schemas.openxmlformats.org/markup-compatibility/2006">
-          <mc:Choice xmlns:a14="http://schemas.microsoft.com/office/drawing/2010/main" Requires="a14">
+        <mc:AlternateContent xmlns:mc="http://schemas.openxmlformats.org/markup-compatibility/2006" xmlns:a14="http://schemas.microsoft.com/office/drawing/2010/main">
+          <mc:Choice Requires="a14">
             <p:sp>
               <p:nvSpPr>
                 <p:cNvPr id="14" name="TextBox 13"/>
@@ -13120,6 +13710,7 @@
                 </a:bodyPr>
                 <a:lstStyle/>
                 <a:p>
+                  <a:pPr/>
                   <a14:m>
                     <m:oMathPara xmlns:m="http://schemas.openxmlformats.org/officeDocument/2006/math">
                       <m:oMathParaPr>
@@ -13140,7 +13731,7 @@
               </p:txBody>
             </p:sp>
           </mc:Choice>
-          <mc:Fallback>
+          <mc:Fallback xmlns="">
             <p:sp>
               <p:nvSpPr>
                 <p:cNvPr id="14" name="TextBox 13"/>
@@ -13179,8 +13770,8 @@
             </p:sp>
           </mc:Fallback>
         </mc:AlternateContent>
-        <mc:AlternateContent xmlns:mc="http://schemas.openxmlformats.org/markup-compatibility/2006">
-          <mc:Choice xmlns:a14="http://schemas.microsoft.com/office/drawing/2010/main" Requires="a14">
+        <mc:AlternateContent xmlns:mc="http://schemas.openxmlformats.org/markup-compatibility/2006" xmlns:a14="http://schemas.microsoft.com/office/drawing/2010/main">
+          <mc:Choice Requires="a14">
             <p:sp>
               <p:nvSpPr>
                 <p:cNvPr id="15" name="TextBox 14"/>
@@ -13203,6 +13794,7 @@
                 </a:bodyPr>
                 <a:lstStyle/>
                 <a:p>
+                  <a:pPr/>
                   <a14:m>
                     <m:oMathPara xmlns:m="http://schemas.openxmlformats.org/officeDocument/2006/math">
                       <m:oMathParaPr>
@@ -13223,7 +13815,7 @@
               </p:txBody>
             </p:sp>
           </mc:Choice>
-          <mc:Fallback>
+          <mc:Fallback xmlns="">
             <p:sp>
               <p:nvSpPr>
                 <p:cNvPr id="15" name="TextBox 14"/>
@@ -13262,8 +13854,8 @@
             </p:sp>
           </mc:Fallback>
         </mc:AlternateContent>
-        <mc:AlternateContent xmlns:mc="http://schemas.openxmlformats.org/markup-compatibility/2006">
-          <mc:Choice xmlns:a14="http://schemas.microsoft.com/office/drawing/2010/main" Requires="a14">
+        <mc:AlternateContent xmlns:mc="http://schemas.openxmlformats.org/markup-compatibility/2006" xmlns:a14="http://schemas.microsoft.com/office/drawing/2010/main">
+          <mc:Choice Requires="a14">
             <p:sp>
               <p:nvSpPr>
                 <p:cNvPr id="16" name="TextBox 15"/>
@@ -13286,6 +13878,7 @@
                 </a:bodyPr>
                 <a:lstStyle/>
                 <a:p>
+                  <a:pPr/>
                   <a14:m>
                     <m:oMathPara xmlns:m="http://schemas.openxmlformats.org/officeDocument/2006/math">
                       <m:oMathParaPr>
@@ -13306,7 +13899,7 @@
               </p:txBody>
             </p:sp>
           </mc:Choice>
-          <mc:Fallback>
+          <mc:Fallback xmlns="">
             <p:sp>
               <p:nvSpPr>
                 <p:cNvPr id="16" name="TextBox 15"/>
@@ -13346,8 +13939,8 @@
           </mc:Fallback>
         </mc:AlternateContent>
       </p:grpSp>
-      <mc:AlternateContent xmlns:mc="http://schemas.openxmlformats.org/markup-compatibility/2006">
-        <mc:Choice xmlns:a14="http://schemas.microsoft.com/office/drawing/2010/main" Requires="a14">
+      <mc:AlternateContent xmlns:mc="http://schemas.openxmlformats.org/markup-compatibility/2006" xmlns:a14="http://schemas.microsoft.com/office/drawing/2010/main">
+        <mc:Choice Requires="a14">
           <p:sp>
             <p:nvSpPr>
               <p:cNvPr id="18" name="Прямоугольник 17"/>
@@ -13376,7 +13969,7 @@
                   </a:lnSpc>
                 </a:pPr>
                 <a:r>
-                  <a:rPr lang="ru-RU" sz="3200" dirty="0" smtClean="0">
+                  <a:rPr lang="ru-RU" sz="3200" dirty="0">
                     <a:latin typeface="Cambria Math" panose="02040503050406030204" pitchFamily="18" charset="0"/>
                     <a:ea typeface="Cambria Math" panose="02040503050406030204" pitchFamily="18" charset="0"/>
                   </a:rPr>
@@ -13468,13 +14061,13 @@
                   </m:oMath>
                 </a14:m>
                 <a:r>
-                  <a:rPr lang="ru-RU" sz="3200" dirty="0" smtClean="0">
+                  <a:rPr lang="ru-RU" sz="3200" dirty="0">
                     <a:latin typeface="Cambria Math" panose="02040503050406030204" pitchFamily="18" charset="0"/>
                     <a:ea typeface="Cambria Math" panose="02040503050406030204" pitchFamily="18" charset="0"/>
                   </a:rPr>
                   <a:t>. </a:t>
                 </a:r>
-                <a:endParaRPr lang="en-US" sz="3200" dirty="0" smtClean="0">
+                <a:endParaRPr lang="en-US" sz="3200" dirty="0">
                   <a:solidFill>
                     <a:srgbClr val="FF0000"/>
                   </a:solidFill>
@@ -13485,7 +14078,7 @@
             </p:txBody>
           </p:sp>
         </mc:Choice>
-        <mc:Fallback>
+        <mc:Fallback xmlns="">
           <p:sp>
             <p:nvSpPr>
               <p:cNvPr id="18" name="Прямоугольник 17"/>
@@ -13552,13 +14145,13 @@
               </a:lnSpc>
             </a:pPr>
             <a:r>
-              <a:rPr lang="ru-RU" sz="3200" dirty="0" smtClean="0">
+              <a:rPr lang="ru-RU" sz="3200" dirty="0">
                 <a:latin typeface="Cambria Math" panose="02040503050406030204" pitchFamily="18" charset="0"/>
                 <a:ea typeface="Cambria Math" panose="02040503050406030204" pitchFamily="18" charset="0"/>
               </a:rPr>
               <a:t>Как должны измениться остальные вершины? </a:t>
             </a:r>
-            <a:endParaRPr lang="en-US" sz="3200" dirty="0" smtClean="0">
+            <a:endParaRPr lang="en-US" sz="3200" dirty="0">
               <a:solidFill>
                 <a:srgbClr val="FF0000"/>
               </a:solidFill>
@@ -13636,15 +14229,86 @@
                                   </p:childTnLst>
                                 </p:cTn>
                               </p:par>
+                            </p:childTnLst>
+                          </p:cTn>
+                        </p:par>
+                      </p:childTnLst>
+                    </p:cTn>
+                  </p:par>
+                  <p:par>
+                    <p:cTn id="8" fill="hold">
+                      <p:stCondLst>
+                        <p:cond delay="indefinite"/>
+                      </p:stCondLst>
+                      <p:childTnLst>
+                        <p:par>
+                          <p:cTn id="9" fill="hold">
+                            <p:stCondLst>
+                              <p:cond delay="0"/>
+                            </p:stCondLst>
+                            <p:childTnLst>
                               <p:par>
-                                <p:cTn id="8" presetID="10" presetClass="entr" presetSubtype="0" fill="hold" grpId="0" nodeType="withEffect">
+                                <p:cTn id="10" presetID="10" presetClass="entr" presetSubtype="0" fill="hold" nodeType="clickEffect">
                                   <p:stCondLst>
                                     <p:cond delay="0"/>
                                   </p:stCondLst>
                                   <p:childTnLst>
                                     <p:set>
                                       <p:cBhvr>
-                                        <p:cTn id="9" dur="1" fill="hold">
+                                        <p:cTn id="11" dur="1" fill="hold">
+                                          <p:stCondLst>
+                                            <p:cond delay="0"/>
+                                          </p:stCondLst>
+                                        </p:cTn>
+                                        <p:tgtEl>
+                                          <p:spTgt spid="17"/>
+                                        </p:tgtEl>
+                                        <p:attrNameLst>
+                                          <p:attrName>style.visibility</p:attrName>
+                                        </p:attrNameLst>
+                                      </p:cBhvr>
+                                      <p:to>
+                                        <p:strVal val="visible"/>
+                                      </p:to>
+                                    </p:set>
+                                    <p:animEffect transition="in" filter="fade">
+                                      <p:cBhvr>
+                                        <p:cTn id="12" dur="500"/>
+                                        <p:tgtEl>
+                                          <p:spTgt spid="17"/>
+                                        </p:tgtEl>
+                                      </p:cBhvr>
+                                    </p:animEffect>
+                                  </p:childTnLst>
+                                </p:cTn>
+                              </p:par>
+                            </p:childTnLst>
+                          </p:cTn>
+                        </p:par>
+                      </p:childTnLst>
+                    </p:cTn>
+                  </p:par>
+                  <p:par>
+                    <p:cTn id="13" fill="hold">
+                      <p:stCondLst>
+                        <p:cond delay="indefinite"/>
+                      </p:stCondLst>
+                      <p:childTnLst>
+                        <p:par>
+                          <p:cTn id="14" fill="hold">
+                            <p:stCondLst>
+                              <p:cond delay="0"/>
+                            </p:stCondLst>
+                            <p:childTnLst>
+                              <p:par>
+                                <p:cTn id="15" presetID="10" presetClass="entr" presetSubtype="0" fill="hold" grpId="0" nodeType="clickEffect">
+                                  <p:stCondLst>
+                                    <p:cond delay="0"/>
+                                  </p:stCondLst>
+                                  <p:childTnLst>
+                                    <p:set>
+                                      <p:cBhvr>
+                                        <p:cTn id="16" dur="1" fill="hold">
                                           <p:stCondLst>
                                             <p:cond delay="0"/>
                                           </p:stCondLst>
@@ -13662,7 +14326,7 @@
                                     </p:set>
                                     <p:animEffect transition="in" filter="fade">
                                       <p:cBhvr>
-                                        <p:cTn id="10" dur="500"/>
+                                        <p:cTn id="17" dur="500"/>
                                         <p:tgtEl>
                                           <p:spTgt spid="18"/>
                                         </p:tgtEl>
@@ -13671,15 +14335,33 @@
                                   </p:childTnLst>
                                 </p:cTn>
                               </p:par>
+                            </p:childTnLst>
+                          </p:cTn>
+                        </p:par>
+                      </p:childTnLst>
+                    </p:cTn>
+                  </p:par>
+                  <p:par>
+                    <p:cTn id="18" fill="hold">
+                      <p:stCondLst>
+                        <p:cond delay="indefinite"/>
+                      </p:stCondLst>
+                      <p:childTnLst>
+                        <p:par>
+                          <p:cTn id="19" fill="hold">
+                            <p:stCondLst>
+                              <p:cond delay="0"/>
+                            </p:stCondLst>
+                            <p:childTnLst>
                               <p:par>
-                                <p:cTn id="11" presetID="10" presetClass="entr" presetSubtype="0" fill="hold" grpId="0" nodeType="withEffect">
+                                <p:cTn id="20" presetID="10" presetClass="entr" presetSubtype="0" fill="hold" grpId="0" nodeType="clickEffect">
                                   <p:stCondLst>
                                     <p:cond delay="0"/>
                                   </p:stCondLst>
                                   <p:childTnLst>
                                     <p:set>
                                       <p:cBhvr>
-                                        <p:cTn id="12" dur="1" fill="hold">
+                                        <p:cTn id="21" dur="1" fill="hold">
                                           <p:stCondLst>
                                             <p:cond delay="0"/>
                                           </p:stCondLst>
@@ -13697,7 +14379,7 @@
                                     </p:set>
                                     <p:animEffect transition="in" filter="fade">
                                       <p:cBhvr>
-                                        <p:cTn id="13" dur="500"/>
+                                        <p:cTn id="22" dur="500"/>
                                         <p:tgtEl>
                                           <p:spTgt spid="19"/>
                                         </p:tgtEl>
@@ -13783,7 +14465,7 @@
           <a:p>
             <a:pPr algn="ctr"/>
             <a:r>
-              <a:rPr lang="ru-RU" sz="4000" dirty="0" smtClean="0">
+              <a:rPr lang="ru-RU" sz="4000" dirty="0">
                 <a:solidFill>
                   <a:srgbClr val="C00000"/>
                 </a:solidFill>
@@ -13830,13 +14512,13 @@
               </a:lnSpc>
             </a:pPr>
             <a:r>
-              <a:rPr lang="ru-RU" sz="3200" dirty="0" smtClean="0">
+              <a:rPr lang="ru-RU" sz="3200" dirty="0">
                 <a:latin typeface="Cambria Math" panose="02040503050406030204" pitchFamily="18" charset="0"/>
                 <a:ea typeface="Cambria Math" panose="02040503050406030204" pitchFamily="18" charset="0"/>
               </a:rPr>
               <a:t>Как должны измениться остальные вершины? </a:t>
             </a:r>
-            <a:endParaRPr lang="en-US" sz="3200" dirty="0" smtClean="0">
+            <a:endParaRPr lang="en-US" sz="3200" dirty="0">
               <a:solidFill>
                 <a:srgbClr val="FF0000"/>
               </a:solidFill>
@@ -13874,8 +14556,8 @@
               <a:chExt cx="3158596" cy="965200"/>
             </a:xfrm>
           </p:grpSpPr>
-          <mc:AlternateContent xmlns:mc="http://schemas.openxmlformats.org/markup-compatibility/2006">
-            <mc:Choice xmlns:a14="http://schemas.microsoft.com/office/drawing/2010/main" Requires="a14">
+          <mc:AlternateContent xmlns:mc="http://schemas.openxmlformats.org/markup-compatibility/2006" xmlns:a14="http://schemas.microsoft.com/office/drawing/2010/main">
+            <mc:Choice Requires="a14">
               <p:sp>
                 <p:nvSpPr>
                   <p:cNvPr id="7" name="Прямоугольник 6"/>
@@ -13955,7 +14637,7 @@
                 </p:txBody>
               </p:sp>
             </mc:Choice>
-            <mc:Fallback>
+            <mc:Fallback xmlns="">
               <p:sp>
                 <p:nvSpPr>
                   <p:cNvPr id="7" name="Прямоугольник 6"/>
@@ -13994,8 +14676,8 @@
               </p:sp>
             </mc:Fallback>
           </mc:AlternateContent>
-          <mc:AlternateContent xmlns:mc="http://schemas.openxmlformats.org/markup-compatibility/2006">
-            <mc:Choice xmlns:a14="http://schemas.microsoft.com/office/drawing/2010/main" Requires="a14">
+          <mc:AlternateContent xmlns:mc="http://schemas.openxmlformats.org/markup-compatibility/2006" xmlns:a14="http://schemas.microsoft.com/office/drawing/2010/main">
+            <mc:Choice Requires="a14">
               <p:sp>
                 <p:nvSpPr>
                   <p:cNvPr id="9" name="Прямоугольник 8"/>
@@ -14075,12 +14757,12 @@
                         </m:oMath>
                       </m:oMathPara>
                     </a14:m>
-                    <a:endParaRPr lang="en-US" sz="2800" b="1" dirty="0" smtClean="0"/>
+                    <a:endParaRPr lang="en-US" sz="2800" b="1" dirty="0"/>
                   </a:p>
                 </p:txBody>
               </p:sp>
             </mc:Choice>
-            <mc:Fallback>
+            <mc:Fallback xmlns="">
               <p:sp>
                 <p:nvSpPr>
                   <p:cNvPr id="9" name="Прямоугольник 8"/>
@@ -14119,8 +14801,8 @@
               </p:sp>
             </mc:Fallback>
           </mc:AlternateContent>
-          <mc:AlternateContent xmlns:mc="http://schemas.openxmlformats.org/markup-compatibility/2006">
-            <mc:Choice xmlns:a14="http://schemas.microsoft.com/office/drawing/2010/main" Requires="a14">
+          <mc:AlternateContent xmlns:mc="http://schemas.openxmlformats.org/markup-compatibility/2006" xmlns:a14="http://schemas.microsoft.com/office/drawing/2010/main">
+            <mc:Choice Requires="a14">
               <p:sp>
                 <p:nvSpPr>
                   <p:cNvPr id="12" name="Прямоугольник 11"/>
@@ -14203,12 +14885,12 @@
                         </m:oMath>
                       </m:oMathPara>
                     </a14:m>
-                    <a:endParaRPr lang="en-US" sz="2800" b="1" dirty="0" smtClean="0"/>
+                    <a:endParaRPr lang="en-US" sz="2800" b="1" dirty="0"/>
                   </a:p>
                 </p:txBody>
               </p:sp>
             </mc:Choice>
-            <mc:Fallback>
+            <mc:Fallback xmlns="">
               <p:sp>
                 <p:nvSpPr>
                   <p:cNvPr id="12" name="Прямоугольник 11"/>
@@ -14247,8 +14929,8 @@
               </p:sp>
             </mc:Fallback>
           </mc:AlternateContent>
-          <mc:AlternateContent xmlns:mc="http://schemas.openxmlformats.org/markup-compatibility/2006">
-            <mc:Choice xmlns:a14="http://schemas.microsoft.com/office/drawing/2010/main" Requires="a14">
+          <mc:AlternateContent xmlns:mc="http://schemas.openxmlformats.org/markup-compatibility/2006" xmlns:a14="http://schemas.microsoft.com/office/drawing/2010/main">
+            <mc:Choice Requires="a14">
               <p:sp>
                 <p:nvSpPr>
                   <p:cNvPr id="15" name="TextBox 14"/>
@@ -14271,6 +14953,7 @@
                   </a:bodyPr>
                   <a:lstStyle/>
                   <a:p>
+                    <a:pPr/>
                     <a14:m>
                       <m:oMathPara xmlns:m="http://schemas.openxmlformats.org/officeDocument/2006/math">
                         <m:oMathParaPr>
@@ -14291,7 +14974,7 @@
                 </p:txBody>
               </p:sp>
             </mc:Choice>
-            <mc:Fallback>
+            <mc:Fallback xmlns="">
               <p:sp>
                 <p:nvSpPr>
                   <p:cNvPr id="15" name="TextBox 14"/>
@@ -14345,8 +15028,8 @@
               <a:chExt cx="3158597" cy="965200"/>
             </a:xfrm>
           </p:grpSpPr>
-          <mc:AlternateContent xmlns:mc="http://schemas.openxmlformats.org/markup-compatibility/2006">
-            <mc:Choice xmlns:a14="http://schemas.microsoft.com/office/drawing/2010/main" Requires="a14">
+          <mc:AlternateContent xmlns:mc="http://schemas.openxmlformats.org/markup-compatibility/2006" xmlns:a14="http://schemas.microsoft.com/office/drawing/2010/main">
+            <mc:Choice Requires="a14">
               <p:sp>
                 <p:nvSpPr>
                   <p:cNvPr id="8" name="Прямоугольник 7"/>
@@ -14426,7 +15109,7 @@
                 </p:txBody>
               </p:sp>
             </mc:Choice>
-            <mc:Fallback>
+            <mc:Fallback xmlns="">
               <p:sp>
                 <p:nvSpPr>
                   <p:cNvPr id="8" name="Прямоугольник 7"/>
@@ -14465,8 +15148,8 @@
               </p:sp>
             </mc:Fallback>
           </mc:AlternateContent>
-          <mc:AlternateContent xmlns:mc="http://schemas.openxmlformats.org/markup-compatibility/2006">
-            <mc:Choice xmlns:a14="http://schemas.microsoft.com/office/drawing/2010/main" Requires="a14">
+          <mc:AlternateContent xmlns:mc="http://schemas.openxmlformats.org/markup-compatibility/2006" xmlns:a14="http://schemas.microsoft.com/office/drawing/2010/main">
+            <mc:Choice Requires="a14">
               <p:sp>
                 <p:nvSpPr>
                   <p:cNvPr id="10" name="Прямоугольник 9"/>
@@ -14546,12 +15229,12 @@
                         </m:oMath>
                       </m:oMathPara>
                     </a14:m>
-                    <a:endParaRPr lang="en-US" sz="2800" b="1" dirty="0" smtClean="0"/>
+                    <a:endParaRPr lang="en-US" sz="2800" b="1" dirty="0"/>
                   </a:p>
                 </p:txBody>
               </p:sp>
             </mc:Choice>
-            <mc:Fallback>
+            <mc:Fallback xmlns="">
               <p:sp>
                 <p:nvSpPr>
                   <p:cNvPr id="10" name="Прямоугольник 9"/>
@@ -14590,8 +15273,8 @@
               </p:sp>
             </mc:Fallback>
           </mc:AlternateContent>
-          <mc:AlternateContent xmlns:mc="http://schemas.openxmlformats.org/markup-compatibility/2006">
-            <mc:Choice xmlns:a14="http://schemas.microsoft.com/office/drawing/2010/main" Requires="a14">
+          <mc:AlternateContent xmlns:mc="http://schemas.openxmlformats.org/markup-compatibility/2006" xmlns:a14="http://schemas.microsoft.com/office/drawing/2010/main">
+            <mc:Choice Requires="a14">
               <p:sp>
                 <p:nvSpPr>
                   <p:cNvPr id="13" name="Прямоугольник 12"/>
@@ -14674,12 +15357,12 @@
                         </m:oMath>
                       </m:oMathPara>
                     </a14:m>
-                    <a:endParaRPr lang="en-US" sz="2800" b="1" dirty="0" smtClean="0"/>
+                    <a:endParaRPr lang="en-US" sz="2800" b="1" dirty="0"/>
                   </a:p>
                 </p:txBody>
               </p:sp>
             </mc:Choice>
-            <mc:Fallback>
+            <mc:Fallback xmlns="">
               <p:sp>
                 <p:nvSpPr>
                   <p:cNvPr id="13" name="Прямоугольник 12"/>
@@ -14718,8 +15401,8 @@
               </p:sp>
             </mc:Fallback>
           </mc:AlternateContent>
-          <mc:AlternateContent xmlns:mc="http://schemas.openxmlformats.org/markup-compatibility/2006">
-            <mc:Choice xmlns:a14="http://schemas.microsoft.com/office/drawing/2010/main" Requires="a14">
+          <mc:AlternateContent xmlns:mc="http://schemas.openxmlformats.org/markup-compatibility/2006" xmlns:a14="http://schemas.microsoft.com/office/drawing/2010/main">
+            <mc:Choice Requires="a14">
               <p:sp>
                 <p:nvSpPr>
                   <p:cNvPr id="16" name="TextBox 15"/>
@@ -14742,6 +15425,7 @@
                   </a:bodyPr>
                   <a:lstStyle/>
                   <a:p>
+                    <a:pPr/>
                     <a14:m>
                       <m:oMathPara xmlns:m="http://schemas.openxmlformats.org/officeDocument/2006/math">
                         <m:oMathParaPr>
@@ -14762,7 +15446,7 @@
                 </p:txBody>
               </p:sp>
             </mc:Choice>
-            <mc:Fallback>
+            <mc:Fallback xmlns="">
               <p:sp>
                 <p:nvSpPr>
                   <p:cNvPr id="16" name="TextBox 15"/>
@@ -14912,7 +15596,7 @@
             <a:p>
               <a:pPr algn="ctr"/>
               <a:r>
-                <a:rPr lang="ru-RU" sz="2000" b="0" cap="none" spc="0" dirty="0" smtClean="0">
+                <a:rPr lang="ru-RU" sz="2000" b="0" cap="none" spc="0" dirty="0">
                   <a:ln w="0"/>
                   <a:solidFill>
                     <a:schemeClr val="tx1"/>
@@ -14929,21 +15613,6 @@
                 </a:rPr>
                 <a:t>1</a:t>
               </a:r>
-              <a:endParaRPr lang="ru-RU" sz="2000" b="0" cap="none" spc="0" dirty="0">
-                <a:ln w="0"/>
-                <a:solidFill>
-                  <a:schemeClr val="tx1"/>
-                </a:solidFill>
-                <a:effectLst>
-                  <a:outerShdw blurRad="38100" dist="19050" dir="2700000" algn="tl" rotWithShape="0">
-                    <a:schemeClr val="dk1">
-                      <a:alpha val="40000"/>
-                    </a:schemeClr>
-                  </a:outerShdw>
-                </a:effectLst>
-                <a:latin typeface="Cambria Math" panose="02040503050406030204" pitchFamily="18" charset="0"/>
-                <a:ea typeface="Cambria Math" panose="02040503050406030204" pitchFamily="18" charset="0"/>
-              </a:endParaRPr>
             </a:p>
           </p:txBody>
         </p:sp>
@@ -14971,7 +15640,7 @@
             <a:p>
               <a:pPr algn="ctr"/>
               <a:r>
-                <a:rPr lang="ru-RU" sz="2000" b="0" cap="none" spc="0" dirty="0" smtClean="0">
+                <a:rPr lang="ru-RU" sz="2000" b="0" cap="none" spc="0" dirty="0">
                   <a:ln w="0"/>
                   <a:solidFill>
                     <a:schemeClr val="tx1"/>
@@ -14988,26 +15657,11 @@
                 </a:rPr>
                 <a:t>1</a:t>
               </a:r>
-              <a:endParaRPr lang="ru-RU" sz="2000" b="0" cap="none" spc="0" dirty="0">
-                <a:ln w="0"/>
-                <a:solidFill>
-                  <a:schemeClr val="tx1"/>
-                </a:solidFill>
-                <a:effectLst>
-                  <a:outerShdw blurRad="38100" dist="19050" dir="2700000" algn="tl" rotWithShape="0">
-                    <a:schemeClr val="dk1">
-                      <a:alpha val="40000"/>
-                    </a:schemeClr>
-                  </a:outerShdw>
-                </a:effectLst>
-                <a:latin typeface="Cambria Math" panose="02040503050406030204" pitchFamily="18" charset="0"/>
-                <a:ea typeface="Cambria Math" panose="02040503050406030204" pitchFamily="18" charset="0"/>
-              </a:endParaRPr>
             </a:p>
           </p:txBody>
         </p:sp>
-        <mc:AlternateContent xmlns:mc="http://schemas.openxmlformats.org/markup-compatibility/2006">
-          <mc:Choice xmlns:a14="http://schemas.microsoft.com/office/drawing/2010/main" Requires="a14">
+        <mc:AlternateContent xmlns:mc="http://schemas.openxmlformats.org/markup-compatibility/2006" xmlns:a14="http://schemas.microsoft.com/office/drawing/2010/main">
+          <mc:Choice Requires="a14">
             <p:sp>
               <p:nvSpPr>
                 <p:cNvPr id="27" name="Прямоугольник 26"/>
@@ -15120,7 +15774,7 @@
               </p:txBody>
             </p:sp>
           </mc:Choice>
-          <mc:Fallback>
+          <mc:Fallback xmlns="">
             <p:sp>
               <p:nvSpPr>
                 <p:cNvPr id="27" name="Прямоугольник 26"/>
@@ -15259,8 +15913,8 @@
               <a:chExt cx="3264163" cy="1286392"/>
             </a:xfrm>
           </p:grpSpPr>
-          <mc:AlternateContent xmlns:mc="http://schemas.openxmlformats.org/markup-compatibility/2006">
-            <mc:Choice xmlns:a14="http://schemas.microsoft.com/office/drawing/2010/main" Requires="a14">
+          <mc:AlternateContent xmlns:mc="http://schemas.openxmlformats.org/markup-compatibility/2006" xmlns:a14="http://schemas.microsoft.com/office/drawing/2010/main">
+            <mc:Choice Requires="a14">
               <p:sp>
                 <p:nvSpPr>
                   <p:cNvPr id="2" name="Прямоугольник 1"/>
@@ -15340,7 +15994,7 @@
                 </p:txBody>
               </p:sp>
             </mc:Choice>
-            <mc:Fallback>
+            <mc:Fallback xmlns="">
               <p:sp>
                 <p:nvSpPr>
                   <p:cNvPr id="2" name="Прямоугольник 1"/>
@@ -15379,8 +16033,8 @@
               </p:sp>
             </mc:Fallback>
           </mc:AlternateContent>
-          <mc:AlternateContent xmlns:mc="http://schemas.openxmlformats.org/markup-compatibility/2006">
-            <mc:Choice xmlns:a14="http://schemas.microsoft.com/office/drawing/2010/main" Requires="a14">
+          <mc:AlternateContent xmlns:mc="http://schemas.openxmlformats.org/markup-compatibility/2006" xmlns:a14="http://schemas.microsoft.com/office/drawing/2010/main">
+            <mc:Choice Requires="a14">
               <p:sp>
                 <p:nvSpPr>
                   <p:cNvPr id="5" name="Прямоугольник 4"/>
@@ -15460,12 +16114,12 @@
                         </m:oMath>
                       </m:oMathPara>
                     </a14:m>
-                    <a:endParaRPr lang="en-US" sz="2800" b="1" dirty="0" smtClean="0"/>
+                    <a:endParaRPr lang="en-US" sz="2800" b="1" dirty="0"/>
                   </a:p>
                 </p:txBody>
               </p:sp>
             </mc:Choice>
-            <mc:Fallback>
+            <mc:Fallback xmlns="">
               <p:sp>
                 <p:nvSpPr>
                   <p:cNvPr id="5" name="Прямоугольник 4"/>
@@ -15504,8 +16158,8 @@
               </p:sp>
             </mc:Fallback>
           </mc:AlternateContent>
-          <mc:AlternateContent xmlns:mc="http://schemas.openxmlformats.org/markup-compatibility/2006">
-            <mc:Choice xmlns:a14="http://schemas.microsoft.com/office/drawing/2010/main" Requires="a14">
+          <mc:AlternateContent xmlns:mc="http://schemas.openxmlformats.org/markup-compatibility/2006" xmlns:a14="http://schemas.microsoft.com/office/drawing/2010/main">
+            <mc:Choice Requires="a14">
               <p:sp>
                 <p:nvSpPr>
                   <p:cNvPr id="11" name="Прямоугольник 10"/>
@@ -15588,12 +16242,12 @@
                         </m:oMath>
                       </m:oMathPara>
                     </a14:m>
-                    <a:endParaRPr lang="en-US" sz="2800" b="1" dirty="0" smtClean="0"/>
+                    <a:endParaRPr lang="en-US" sz="2800" b="1" dirty="0"/>
                   </a:p>
                 </p:txBody>
               </p:sp>
             </mc:Choice>
-            <mc:Fallback>
+            <mc:Fallback xmlns="">
               <p:sp>
                 <p:nvSpPr>
                   <p:cNvPr id="11" name="Прямоугольник 10"/>
@@ -15632,8 +16286,8 @@
               </p:sp>
             </mc:Fallback>
           </mc:AlternateContent>
-          <mc:AlternateContent xmlns:mc="http://schemas.openxmlformats.org/markup-compatibility/2006">
-            <mc:Choice xmlns:a14="http://schemas.microsoft.com/office/drawing/2010/main" Requires="a14">
+          <mc:AlternateContent xmlns:mc="http://schemas.openxmlformats.org/markup-compatibility/2006" xmlns:a14="http://schemas.microsoft.com/office/drawing/2010/main">
+            <mc:Choice Requires="a14">
               <p:sp>
                 <p:nvSpPr>
                   <p:cNvPr id="14" name="TextBox 13"/>
@@ -15656,6 +16310,7 @@
                   </a:bodyPr>
                   <a:lstStyle/>
                   <a:p>
+                    <a:pPr/>
                     <a14:m>
                       <m:oMathPara xmlns:m="http://schemas.openxmlformats.org/officeDocument/2006/math">
                         <m:oMathParaPr>
@@ -15676,7 +16331,7 @@
                 </p:txBody>
               </p:sp>
             </mc:Choice>
-            <mc:Fallback>
+            <mc:Fallback xmlns="">
               <p:sp>
                 <p:nvSpPr>
                   <p:cNvPr id="14" name="TextBox 13"/>
@@ -15782,7 +16437,7 @@
               <a:p>
                 <a:pPr algn="ctr"/>
                 <a:r>
-                  <a:rPr lang="ru-RU" sz="2000" b="0" cap="none" spc="0" dirty="0" smtClean="0">
+                  <a:rPr lang="ru-RU" sz="2000" b="0" cap="none" spc="0" dirty="0">
                     <a:ln w="0"/>
                     <a:solidFill>
                       <a:schemeClr val="tx1"/>
@@ -15799,21 +16454,6 @@
                   </a:rPr>
                   <a:t>1</a:t>
                 </a:r>
-                <a:endParaRPr lang="ru-RU" sz="2000" b="0" cap="none" spc="0" dirty="0">
-                  <a:ln w="0"/>
-                  <a:solidFill>
-                    <a:schemeClr val="tx1"/>
-                  </a:solidFill>
-                  <a:effectLst>
-                    <a:outerShdw blurRad="38100" dist="19050" dir="2700000" algn="tl" rotWithShape="0">
-                      <a:schemeClr val="dk1">
-                        <a:alpha val="40000"/>
-                      </a:schemeClr>
-                    </a:outerShdw>
-                  </a:effectLst>
-                  <a:latin typeface="Cambria Math" panose="02040503050406030204" pitchFamily="18" charset="0"/>
-                  <a:ea typeface="Cambria Math" panose="02040503050406030204" pitchFamily="18" charset="0"/>
-                </a:endParaRPr>
               </a:p>
             </p:txBody>
           </p:sp>
@@ -15904,8 +16544,8 @@
             </p:txBody>
           </p:sp>
         </p:grpSp>
-        <mc:AlternateContent xmlns:mc="http://schemas.openxmlformats.org/markup-compatibility/2006">
-          <mc:Choice xmlns:a14="http://schemas.microsoft.com/office/drawing/2010/main" Requires="a14">
+        <mc:AlternateContent xmlns:mc="http://schemas.openxmlformats.org/markup-compatibility/2006" xmlns:a14="http://schemas.microsoft.com/office/drawing/2010/main">
+          <mc:Choice Requires="a14">
             <p:sp>
               <p:nvSpPr>
                 <p:cNvPr id="33" name="Прямоугольник 32"/>
@@ -16018,7 +16658,7 @@
               </p:txBody>
             </p:sp>
           </mc:Choice>
-          <mc:Fallback>
+          <mc:Fallback xmlns="">
             <p:sp>
               <p:nvSpPr>
                 <p:cNvPr id="33" name="Прямоугольник 32"/>
@@ -16057,8 +16697,8 @@
             </p:sp>
           </mc:Fallback>
         </mc:AlternateContent>
-        <mc:AlternateContent xmlns:mc="http://schemas.openxmlformats.org/markup-compatibility/2006">
-          <mc:Choice xmlns:a14="http://schemas.microsoft.com/office/drawing/2010/main" Requires="a14">
+        <mc:AlternateContent xmlns:mc="http://schemas.openxmlformats.org/markup-compatibility/2006" xmlns:a14="http://schemas.microsoft.com/office/drawing/2010/main">
+          <mc:Choice Requires="a14">
             <p:sp>
               <p:nvSpPr>
                 <p:cNvPr id="34" name="Прямоугольник 33"/>
@@ -16171,7 +16811,7 @@
               </p:txBody>
             </p:sp>
           </mc:Choice>
-          <mc:Fallback>
+          <mc:Fallback xmlns="">
             <p:sp>
               <p:nvSpPr>
                 <p:cNvPr id="34" name="Прямоугольник 33"/>
@@ -16211,8 +16851,8 @@
           </mc:Fallback>
         </mc:AlternateContent>
       </p:grpSp>
-      <mc:AlternateContent xmlns:mc="http://schemas.openxmlformats.org/markup-compatibility/2006">
-        <mc:Choice xmlns:a14="http://schemas.microsoft.com/office/drawing/2010/main" Requires="a14">
+      <mc:AlternateContent xmlns:mc="http://schemas.openxmlformats.org/markup-compatibility/2006" xmlns:a14="http://schemas.microsoft.com/office/drawing/2010/main">
+        <mc:Choice Requires="a14">
           <p:sp>
             <p:nvSpPr>
               <p:cNvPr id="35" name="Прямоугольник 34"/>
@@ -16241,13 +16881,13 @@
                   </a:lnSpc>
                 </a:pPr>
                 <a:r>
-                  <a:rPr lang="ru-RU" sz="3200" dirty="0" smtClean="0">
+                  <a:rPr lang="ru-RU" sz="3200" dirty="0">
                     <a:latin typeface="Cambria Math" panose="02040503050406030204" pitchFamily="18" charset="0"/>
                     <a:ea typeface="Cambria Math" panose="02040503050406030204" pitchFamily="18" charset="0"/>
                   </a:rPr>
                   <a:t>Минимизируем квадратичную энергию: </a:t>
                 </a:r>
-                <a:endParaRPr lang="en-US" sz="3200" dirty="0" smtClean="0">
+                <a:endParaRPr lang="en-US" sz="3200" dirty="0">
                   <a:latin typeface="Cambria Math" panose="02040503050406030204" pitchFamily="18" charset="0"/>
                   <a:ea typeface="Cambria Math" panose="02040503050406030204" pitchFamily="18" charset="0"/>
                 </a:endParaRPr>
@@ -16681,7 +17321,7 @@
                     </m:oMath>
                   </m:oMathPara>
                 </a14:m>
-                <a:endParaRPr lang="en-US" sz="2400" dirty="0" smtClean="0">
+                <a:endParaRPr lang="en-US" sz="2400" dirty="0">
                   <a:solidFill>
                     <a:srgbClr val="FF0000"/>
                   </a:solidFill>
@@ -16692,7 +17332,7 @@
             </p:txBody>
           </p:sp>
         </mc:Choice>
-        <mc:Fallback>
+        <mc:Fallback xmlns="">
           <p:sp>
             <p:nvSpPr>
               <p:cNvPr id="35" name="Прямоугольник 34"/>
@@ -16731,8 +17371,8 @@
           </p:sp>
         </mc:Fallback>
       </mc:AlternateContent>
-      <mc:AlternateContent xmlns:mc="http://schemas.openxmlformats.org/markup-compatibility/2006">
-        <mc:Choice xmlns:a14="http://schemas.microsoft.com/office/drawing/2010/main" Requires="a14">
+      <mc:AlternateContent xmlns:mc="http://schemas.openxmlformats.org/markup-compatibility/2006" xmlns:a14="http://schemas.microsoft.com/office/drawing/2010/main">
+        <mc:Choice Requires="a14">
           <p:sp>
             <p:nvSpPr>
               <p:cNvPr id="36" name="Прямоугольник 35"/>
@@ -16761,7 +17401,7 @@
                   </a:lnSpc>
                 </a:pPr>
                 <a:r>
-                  <a:rPr lang="ru-RU" sz="3200" dirty="0" smtClean="0">
+                  <a:rPr lang="ru-RU" sz="3200" dirty="0">
                     <a:latin typeface="Cambria Math" panose="02040503050406030204" pitchFamily="18" charset="0"/>
                     <a:ea typeface="Cambria Math" panose="02040503050406030204" pitchFamily="18" charset="0"/>
                   </a:rPr>
@@ -16799,7 +17439,7 @@
                     </m:r>
                   </m:oMath>
                 </a14:m>
-                <a:endParaRPr lang="en-US" sz="3200" dirty="0" smtClean="0">
+                <a:endParaRPr lang="en-US" sz="3200" dirty="0">
                   <a:latin typeface="Cambria Math" panose="02040503050406030204" pitchFamily="18" charset="0"/>
                   <a:ea typeface="Cambria Math" panose="02040503050406030204" pitchFamily="18" charset="0"/>
                 </a:endParaRPr>
@@ -16975,7 +17615,7 @@
                     </m:oMath>
                   </m:oMathPara>
                 </a14:m>
-                <a:endParaRPr lang="en-US" sz="3200" dirty="0" smtClean="0">
+                <a:endParaRPr lang="en-US" sz="3200" dirty="0">
                   <a:solidFill>
                     <a:srgbClr val="FF0000"/>
                   </a:solidFill>
@@ -16986,7 +17626,7 @@
             </p:txBody>
           </p:sp>
         </mc:Choice>
-        <mc:Fallback>
+        <mc:Fallback xmlns="">
           <p:sp>
             <p:nvSpPr>
               <p:cNvPr id="36" name="Прямоугольник 35"/>
@@ -17093,15 +17733,86 @@
                                   </p:childTnLst>
                                 </p:cTn>
                               </p:par>
+                            </p:childTnLst>
+                          </p:cTn>
+                        </p:par>
+                      </p:childTnLst>
+                    </p:cTn>
+                  </p:par>
+                  <p:par>
+                    <p:cTn id="8" fill="hold">
+                      <p:stCondLst>
+                        <p:cond delay="indefinite"/>
+                      </p:stCondLst>
+                      <p:childTnLst>
+                        <p:par>
+                          <p:cTn id="9" fill="hold">
+                            <p:stCondLst>
+                              <p:cond delay="0"/>
+                            </p:stCondLst>
+                            <p:childTnLst>
                               <p:par>
-                                <p:cTn id="8" presetID="10" presetClass="entr" presetSubtype="0" fill="hold" grpId="0" nodeType="withEffect">
+                                <p:cTn id="10" presetID="10" presetClass="entr" presetSubtype="0" fill="hold" nodeType="clickEffect">
                                   <p:stCondLst>
                                     <p:cond delay="0"/>
                                   </p:stCondLst>
                                   <p:childTnLst>
                                     <p:set>
                                       <p:cBhvr>
-                                        <p:cTn id="9" dur="1" fill="hold">
+                                        <p:cTn id="11" dur="1" fill="hold">
+                                          <p:stCondLst>
+                                            <p:cond delay="0"/>
+                                          </p:stCondLst>
+                                        </p:cTn>
+                                        <p:tgtEl>
+                                          <p:spTgt spid="37"/>
+                                        </p:tgtEl>
+                                        <p:attrNameLst>
+                                          <p:attrName>style.visibility</p:attrName>
+                                        </p:attrNameLst>
+                                      </p:cBhvr>
+                                      <p:to>
+                                        <p:strVal val="visible"/>
+                                      </p:to>
+                                    </p:set>
+                                    <p:animEffect transition="in" filter="fade">
+                                      <p:cBhvr>
+                                        <p:cTn id="12" dur="500"/>
+                                        <p:tgtEl>
+                                          <p:spTgt spid="37"/>
+                                        </p:tgtEl>
+                                      </p:cBhvr>
+                                    </p:animEffect>
+                                  </p:childTnLst>
+                                </p:cTn>
+                              </p:par>
+                            </p:childTnLst>
+                          </p:cTn>
+                        </p:par>
+                      </p:childTnLst>
+                    </p:cTn>
+                  </p:par>
+                  <p:par>
+                    <p:cTn id="13" fill="hold">
+                      <p:stCondLst>
+                        <p:cond delay="indefinite"/>
+                      </p:stCondLst>
+                      <p:childTnLst>
+                        <p:par>
+                          <p:cTn id="14" fill="hold">
+                            <p:stCondLst>
+                              <p:cond delay="0"/>
+                            </p:stCondLst>
+                            <p:childTnLst>
+                              <p:par>
+                                <p:cTn id="15" presetID="10" presetClass="entr" presetSubtype="0" fill="hold" grpId="0" nodeType="clickEffect">
+                                  <p:stCondLst>
+                                    <p:cond delay="0"/>
+                                  </p:stCondLst>
+                                  <p:childTnLst>
+                                    <p:set>
+                                      <p:cBhvr>
+                                        <p:cTn id="16" dur="1" fill="hold">
                                           <p:stCondLst>
                                             <p:cond delay="0"/>
                                           </p:stCondLst>
@@ -17119,7 +17830,7 @@
                                     </p:set>
                                     <p:animEffect transition="in" filter="fade">
                                       <p:cBhvr>
-                                        <p:cTn id="10" dur="500"/>
+                                        <p:cTn id="17" dur="500"/>
                                         <p:tgtEl>
                                           <p:spTgt spid="35"/>
                                         </p:tgtEl>
@@ -17128,15 +17839,33 @@
                                   </p:childTnLst>
                                 </p:cTn>
                               </p:par>
+                            </p:childTnLst>
+                          </p:cTn>
+                        </p:par>
+                      </p:childTnLst>
+                    </p:cTn>
+                  </p:par>
+                  <p:par>
+                    <p:cTn id="18" fill="hold">
+                      <p:stCondLst>
+                        <p:cond delay="indefinite"/>
+                      </p:stCondLst>
+                      <p:childTnLst>
+                        <p:par>
+                          <p:cTn id="19" fill="hold">
+                            <p:stCondLst>
+                              <p:cond delay="0"/>
+                            </p:stCondLst>
+                            <p:childTnLst>
                               <p:par>
-                                <p:cTn id="11" presetID="10" presetClass="entr" presetSubtype="0" fill="hold" grpId="0" nodeType="withEffect">
+                                <p:cTn id="20" presetID="10" presetClass="entr" presetSubtype="0" fill="hold" grpId="0" nodeType="clickEffect">
                                   <p:stCondLst>
                                     <p:cond delay="0"/>
                                   </p:stCondLst>
                                   <p:childTnLst>
                                     <p:set>
                                       <p:cBhvr>
-                                        <p:cTn id="12" dur="1" fill="hold">
+                                        <p:cTn id="21" dur="1" fill="hold">
                                           <p:stCondLst>
                                             <p:cond delay="0"/>
                                           </p:stCondLst>
@@ -17154,7 +17883,7 @@
                                     </p:set>
                                     <p:animEffect transition="in" filter="fade">
                                       <p:cBhvr>
-                                        <p:cTn id="13" dur="500"/>
+                                        <p:cTn id="22" dur="500"/>
                                         <p:tgtEl>
                                           <p:spTgt spid="36"/>
                                         </p:tgtEl>
